--- a/mutmap1.pptx
+++ b/mutmap1.pptx
@@ -8,7 +8,9 @@
     <p:sldId id="259" r:id="rId2"/>
     <p:sldId id="257" r:id="rId3"/>
     <p:sldId id="256" r:id="rId4"/>
-    <p:sldId id="258" r:id="rId5"/>
+    <p:sldId id="260" r:id="rId5"/>
+    <p:sldId id="261" r:id="rId6"/>
+    <p:sldId id="258" r:id="rId7"/>
   </p:sldIdLst>
   <p:sldSz cx="6858000" cy="9906000" type="A4"/>
   <p:notesSz cx="6858000" cy="9144000"/>
@@ -4321,6 +4323,2498 @@
       </p:grpSpPr>
       <p:pic>
         <p:nvPicPr>
+          <p:cNvPr id="4" name="Picture 2">
+            <a:extLst>
+              <a:ext uri="{FF2B5EF4-FFF2-40B4-BE49-F238E27FC236}">
+                <a16:creationId xmlns:a16="http://schemas.microsoft.com/office/drawing/2014/main" id="{08227EB7-2478-ED1A-1136-C2E89C7AEAAF}"/>
+              </a:ext>
+            </a:extLst>
+          </p:cNvPr>
+          <p:cNvPicPr>
+            <a:picLocks noChangeAspect="1" noChangeArrowheads="1"/>
+          </p:cNvPicPr>
+          <p:nvPr/>
+        </p:nvPicPr>
+        <p:blipFill rotWithShape="1">
+          <a:blip r:embed="rId2">
+            <a:extLst>
+              <a:ext uri="{28A0092B-C50C-407E-A947-70E740481C1C}">
+                <a14:useLocalDpi xmlns:a14="http://schemas.microsoft.com/office/drawing/2010/main" val="0"/>
+              </a:ext>
+            </a:extLst>
+          </a:blip>
+          <a:srcRect l="20046" t="5509" r="70497" b="82864"/>
+          <a:stretch/>
+        </p:blipFill>
+        <p:spPr bwMode="auto">
+          <a:xfrm>
+            <a:off x="913790" y="891122"/>
+            <a:ext cx="641560" cy="752354"/>
+          </a:xfrm>
+          <a:prstGeom prst="rect">
+            <a:avLst/>
+          </a:prstGeom>
+          <a:noFill/>
+          <a:extLst>
+            <a:ext uri="{909E8E84-426E-40DD-AFC4-6F175D3DCCD1}">
+              <a14:hiddenFill xmlns:a14="http://schemas.microsoft.com/office/drawing/2010/main">
+                <a:solidFill>
+                  <a:srgbClr val="FFFFFF"/>
+                </a:solidFill>
+              </a14:hiddenFill>
+            </a:ext>
+          </a:extLst>
+        </p:spPr>
+      </p:pic>
+      <p:pic>
+        <p:nvPicPr>
+          <p:cNvPr id="5" name="Picture 2">
+            <a:extLst>
+              <a:ext uri="{FF2B5EF4-FFF2-40B4-BE49-F238E27FC236}">
+                <a16:creationId xmlns:a16="http://schemas.microsoft.com/office/drawing/2014/main" id="{EA8F26D6-F0F0-C588-0530-C7049738171B}"/>
+              </a:ext>
+            </a:extLst>
+          </p:cNvPr>
+          <p:cNvPicPr>
+            <a:picLocks noChangeAspect="1" noChangeArrowheads="1"/>
+          </p:cNvPicPr>
+          <p:nvPr/>
+        </p:nvPicPr>
+        <p:blipFill rotWithShape="1">
+          <a:blip r:embed="rId2">
+            <a:extLst>
+              <a:ext uri="{28A0092B-C50C-407E-A947-70E740481C1C}">
+                <a14:useLocalDpi xmlns:a14="http://schemas.microsoft.com/office/drawing/2010/main" val="0"/>
+              </a:ext>
+            </a:extLst>
+          </a:blip>
+          <a:srcRect l="1862" t="5509" r="87443" b="82864"/>
+          <a:stretch/>
+        </p:blipFill>
+        <p:spPr bwMode="auto">
+          <a:xfrm>
+            <a:off x="871800" y="2459826"/>
+            <a:ext cx="725540" cy="752354"/>
+          </a:xfrm>
+          <a:prstGeom prst="rect">
+            <a:avLst/>
+          </a:prstGeom>
+          <a:noFill/>
+          <a:extLst>
+            <a:ext uri="{909E8E84-426E-40DD-AFC4-6F175D3DCCD1}">
+              <a14:hiddenFill xmlns:a14="http://schemas.microsoft.com/office/drawing/2010/main">
+                <a:solidFill>
+                  <a:srgbClr val="FFFFFF"/>
+                </a:solidFill>
+              </a14:hiddenFill>
+            </a:ext>
+          </a:extLst>
+        </p:spPr>
+      </p:pic>
+      <p:pic>
+        <p:nvPicPr>
+          <p:cNvPr id="6" name="Picture 2" descr="DNAのイラスト">
+            <a:extLst>
+              <a:ext uri="{FF2B5EF4-FFF2-40B4-BE49-F238E27FC236}">
+                <a16:creationId xmlns:a16="http://schemas.microsoft.com/office/drawing/2014/main" id="{FC5DE9B0-4092-1BF4-01B5-103AF1764C27}"/>
+              </a:ext>
+            </a:extLst>
+          </p:cNvPr>
+          <p:cNvPicPr>
+            <a:picLocks noChangeAspect="1" noChangeArrowheads="1"/>
+          </p:cNvPicPr>
+          <p:nvPr/>
+        </p:nvPicPr>
+        <p:blipFill>
+          <a:blip r:embed="rId3">
+            <a:extLst>
+              <a:ext uri="{28A0092B-C50C-407E-A947-70E740481C1C}">
+                <a14:useLocalDpi xmlns:a14="http://schemas.microsoft.com/office/drawing/2010/main" val="0"/>
+              </a:ext>
+            </a:extLst>
+          </a:blip>
+          <a:srcRect/>
+          <a:stretch>
+            <a:fillRect/>
+          </a:stretch>
+        </p:blipFill>
+        <p:spPr bwMode="auto">
+          <a:xfrm>
+            <a:off x="1822704" y="1095549"/>
+            <a:ext cx="547927" cy="547927"/>
+          </a:xfrm>
+          <a:prstGeom prst="rect">
+            <a:avLst/>
+          </a:prstGeom>
+          <a:noFill/>
+          <a:extLst>
+            <a:ext uri="{909E8E84-426E-40DD-AFC4-6F175D3DCCD1}">
+              <a14:hiddenFill xmlns:a14="http://schemas.microsoft.com/office/drawing/2010/main">
+                <a:solidFill>
+                  <a:srgbClr val="FFFFFF"/>
+                </a:solidFill>
+              </a14:hiddenFill>
+            </a:ext>
+          </a:extLst>
+        </p:spPr>
+      </p:pic>
+      <p:sp>
+        <p:nvSpPr>
+          <p:cNvPr id="7" name="矢印: 右 6">
+            <a:extLst>
+              <a:ext uri="{FF2B5EF4-FFF2-40B4-BE49-F238E27FC236}">
+                <a16:creationId xmlns:a16="http://schemas.microsoft.com/office/drawing/2014/main" id="{C870A3DB-A004-17C5-EB2D-C04A071AC62F}"/>
+              </a:ext>
+            </a:extLst>
+          </p:cNvPr>
+          <p:cNvSpPr/>
+          <p:nvPr/>
+        </p:nvSpPr>
+        <p:spPr>
+          <a:xfrm>
+            <a:off x="1503534" y="1267299"/>
+            <a:ext cx="274320" cy="165261"/>
+          </a:xfrm>
+          <a:prstGeom prst="rightArrow">
+            <a:avLst/>
+          </a:prstGeom>
+        </p:spPr>
+        <p:style>
+          <a:lnRef idx="2">
+            <a:schemeClr val="dk1">
+              <a:shade val="50000"/>
+            </a:schemeClr>
+          </a:lnRef>
+          <a:fillRef idx="1">
+            <a:schemeClr val="dk1"/>
+          </a:fillRef>
+          <a:effectRef idx="0">
+            <a:schemeClr val="dk1"/>
+          </a:effectRef>
+          <a:fontRef idx="minor">
+            <a:schemeClr val="lt1"/>
+          </a:fontRef>
+        </p:style>
+        <p:txBody>
+          <a:bodyPr rtlCol="0" anchor="ctr"/>
+          <a:lstStyle/>
+          <a:p>
+            <a:pPr algn="ctr"/>
+            <a:endParaRPr kumimoji="1" lang="ja-JP" altLang="en-US"/>
+          </a:p>
+        </p:txBody>
+      </p:sp>
+      <p:sp>
+        <p:nvSpPr>
+          <p:cNvPr id="8" name="吹き出し: 角を丸めた四角形 7">
+            <a:extLst>
+              <a:ext uri="{FF2B5EF4-FFF2-40B4-BE49-F238E27FC236}">
+                <a16:creationId xmlns:a16="http://schemas.microsoft.com/office/drawing/2014/main" id="{C85CC10A-D1AC-A67F-A2CC-63E4D21BE820}"/>
+              </a:ext>
+            </a:extLst>
+          </p:cNvPr>
+          <p:cNvSpPr/>
+          <p:nvPr/>
+        </p:nvSpPr>
+        <p:spPr>
+          <a:xfrm>
+            <a:off x="2481784" y="1279491"/>
+            <a:ext cx="2791255" cy="210916"/>
+          </a:xfrm>
+          <a:prstGeom prst="wedgeRoundRectCallout">
+            <a:avLst>
+              <a:gd name="adj1" fmla="val -57715"/>
+              <a:gd name="adj2" fmla="val 18746"/>
+              <a:gd name="adj3" fmla="val 16667"/>
+            </a:avLst>
+          </a:prstGeom>
+        </p:spPr>
+        <p:style>
+          <a:lnRef idx="2">
+            <a:schemeClr val="dk1">
+              <a:shade val="50000"/>
+            </a:schemeClr>
+          </a:lnRef>
+          <a:fillRef idx="1">
+            <a:schemeClr val="dk1"/>
+          </a:fillRef>
+          <a:effectRef idx="0">
+            <a:schemeClr val="dk1"/>
+          </a:effectRef>
+          <a:fontRef idx="minor">
+            <a:schemeClr val="lt1"/>
+          </a:fontRef>
+        </p:style>
+        <p:txBody>
+          <a:bodyPr rtlCol="0" anchor="ctr"/>
+          <a:lstStyle/>
+          <a:p>
+            <a:pPr algn="ctr"/>
+            <a:r>
+              <a:rPr kumimoji="1" lang="en-US" altLang="ja-JP" dirty="0"/>
+              <a:t>ATGCATGCATGCATGCATGC</a:t>
+            </a:r>
+            <a:endParaRPr kumimoji="1" lang="ja-JP" altLang="en-US" dirty="0"/>
+          </a:p>
+        </p:txBody>
+      </p:sp>
+      <p:sp>
+        <p:nvSpPr>
+          <p:cNvPr id="9" name="テキスト ボックス 8">
+            <a:extLst>
+              <a:ext uri="{FF2B5EF4-FFF2-40B4-BE49-F238E27FC236}">
+                <a16:creationId xmlns:a16="http://schemas.microsoft.com/office/drawing/2014/main" id="{2ACA1679-253E-5122-D9AE-1D43ECFF642C}"/>
+              </a:ext>
+            </a:extLst>
+          </p:cNvPr>
+          <p:cNvSpPr txBox="1"/>
+          <p:nvPr/>
+        </p:nvSpPr>
+        <p:spPr>
+          <a:xfrm>
+            <a:off x="2868800" y="891122"/>
+            <a:ext cx="2017221" cy="307777"/>
+          </a:xfrm>
+          <a:prstGeom prst="rect">
+            <a:avLst/>
+          </a:prstGeom>
+          <a:solidFill>
+            <a:schemeClr val="bg1"/>
+          </a:solidFill>
+          <a:ln w="12700">
+            <a:noFill/>
+          </a:ln>
+        </p:spPr>
+        <p:txBody>
+          <a:bodyPr wrap="square" rtlCol="0">
+            <a:spAutoFit/>
+          </a:bodyPr>
+          <a:lstStyle/>
+          <a:p>
+            <a:r>
+              <a:rPr kumimoji="1" lang="en-US" altLang="ja-JP" sz="1400" dirty="0"/>
+              <a:t>1 chromosome &amp; 20bp</a:t>
+            </a:r>
+            <a:endParaRPr kumimoji="1" lang="ja-JP" altLang="en-US" sz="1400" dirty="0"/>
+          </a:p>
+        </p:txBody>
+      </p:sp>
+      <p:pic>
+        <p:nvPicPr>
+          <p:cNvPr id="10" name="Picture 2" descr="DNAのイラスト">
+            <a:extLst>
+              <a:ext uri="{FF2B5EF4-FFF2-40B4-BE49-F238E27FC236}">
+                <a16:creationId xmlns:a16="http://schemas.microsoft.com/office/drawing/2014/main" id="{75ECB5F6-ABF5-153D-46E9-92BCA7D43CE2}"/>
+              </a:ext>
+            </a:extLst>
+          </p:cNvPr>
+          <p:cNvPicPr>
+            <a:picLocks noChangeAspect="1" noChangeArrowheads="1"/>
+          </p:cNvPicPr>
+          <p:nvPr/>
+        </p:nvPicPr>
+        <p:blipFill>
+          <a:blip r:embed="rId3">
+            <a:extLst>
+              <a:ext uri="{28A0092B-C50C-407E-A947-70E740481C1C}">
+                <a14:useLocalDpi xmlns:a14="http://schemas.microsoft.com/office/drawing/2010/main" val="0"/>
+              </a:ext>
+            </a:extLst>
+          </a:blip>
+          <a:srcRect/>
+          <a:stretch>
+            <a:fillRect/>
+          </a:stretch>
+        </p:blipFill>
+        <p:spPr bwMode="auto">
+          <a:xfrm>
+            <a:off x="1822704" y="2602032"/>
+            <a:ext cx="547927" cy="547927"/>
+          </a:xfrm>
+          <a:prstGeom prst="rect">
+            <a:avLst/>
+          </a:prstGeom>
+          <a:noFill/>
+          <a:extLst>
+            <a:ext uri="{909E8E84-426E-40DD-AFC4-6F175D3DCCD1}">
+              <a14:hiddenFill xmlns:a14="http://schemas.microsoft.com/office/drawing/2010/main">
+                <a:solidFill>
+                  <a:srgbClr val="FFFFFF"/>
+                </a:solidFill>
+              </a14:hiddenFill>
+            </a:ext>
+          </a:extLst>
+        </p:spPr>
+      </p:pic>
+      <p:sp>
+        <p:nvSpPr>
+          <p:cNvPr id="11" name="矢印: 右 10">
+            <a:extLst>
+              <a:ext uri="{FF2B5EF4-FFF2-40B4-BE49-F238E27FC236}">
+                <a16:creationId xmlns:a16="http://schemas.microsoft.com/office/drawing/2014/main" id="{211DE28E-CED7-A41F-B500-D81683F88A14}"/>
+              </a:ext>
+            </a:extLst>
+          </p:cNvPr>
+          <p:cNvSpPr/>
+          <p:nvPr/>
+        </p:nvSpPr>
+        <p:spPr>
+          <a:xfrm>
+            <a:off x="1503534" y="2773782"/>
+            <a:ext cx="274320" cy="165261"/>
+          </a:xfrm>
+          <a:prstGeom prst="rightArrow">
+            <a:avLst/>
+          </a:prstGeom>
+        </p:spPr>
+        <p:style>
+          <a:lnRef idx="2">
+            <a:schemeClr val="dk1">
+              <a:shade val="50000"/>
+            </a:schemeClr>
+          </a:lnRef>
+          <a:fillRef idx="1">
+            <a:schemeClr val="dk1"/>
+          </a:fillRef>
+          <a:effectRef idx="0">
+            <a:schemeClr val="dk1"/>
+          </a:effectRef>
+          <a:fontRef idx="minor">
+            <a:schemeClr val="lt1"/>
+          </a:fontRef>
+        </p:style>
+        <p:txBody>
+          <a:bodyPr rtlCol="0" anchor="ctr"/>
+          <a:lstStyle/>
+          <a:p>
+            <a:pPr algn="ctr"/>
+            <a:endParaRPr kumimoji="1" lang="ja-JP" altLang="en-US"/>
+          </a:p>
+        </p:txBody>
+      </p:sp>
+      <p:sp>
+        <p:nvSpPr>
+          <p:cNvPr id="12" name="吹き出し: 角を丸めた四角形 11">
+            <a:extLst>
+              <a:ext uri="{FF2B5EF4-FFF2-40B4-BE49-F238E27FC236}">
+                <a16:creationId xmlns:a16="http://schemas.microsoft.com/office/drawing/2014/main" id="{22306284-AD56-1FA3-2A10-872109FD807E}"/>
+              </a:ext>
+            </a:extLst>
+          </p:cNvPr>
+          <p:cNvSpPr/>
+          <p:nvPr/>
+        </p:nvSpPr>
+        <p:spPr>
+          <a:xfrm>
+            <a:off x="2481784" y="2785974"/>
+            <a:ext cx="2791255" cy="210916"/>
+          </a:xfrm>
+          <a:prstGeom prst="wedgeRoundRectCallout">
+            <a:avLst>
+              <a:gd name="adj1" fmla="val -57715"/>
+              <a:gd name="adj2" fmla="val 18746"/>
+              <a:gd name="adj3" fmla="val 16667"/>
+            </a:avLst>
+          </a:prstGeom>
+        </p:spPr>
+        <p:style>
+          <a:lnRef idx="2">
+            <a:schemeClr val="dk1">
+              <a:shade val="50000"/>
+            </a:schemeClr>
+          </a:lnRef>
+          <a:fillRef idx="1">
+            <a:schemeClr val="dk1"/>
+          </a:fillRef>
+          <a:effectRef idx="0">
+            <a:schemeClr val="dk1"/>
+          </a:effectRef>
+          <a:fontRef idx="minor">
+            <a:schemeClr val="lt1"/>
+          </a:fontRef>
+        </p:style>
+        <p:txBody>
+          <a:bodyPr rtlCol="0" anchor="ctr"/>
+          <a:lstStyle/>
+          <a:p>
+            <a:pPr algn="ctr"/>
+            <a:r>
+              <a:rPr kumimoji="1" lang="en-US" altLang="ja-JP" dirty="0">
+                <a:solidFill>
+                  <a:srgbClr val="FF0000"/>
+                </a:solidFill>
+              </a:rPr>
+              <a:t>G</a:t>
+            </a:r>
+            <a:r>
+              <a:rPr kumimoji="1" lang="en-US" altLang="ja-JP" dirty="0"/>
+              <a:t>TGCA</a:t>
+            </a:r>
+            <a:r>
+              <a:rPr kumimoji="1" lang="en-US" altLang="ja-JP" dirty="0">
+                <a:solidFill>
+                  <a:srgbClr val="FF0000"/>
+                </a:solidFill>
+              </a:rPr>
+              <a:t>A</a:t>
+            </a:r>
+            <a:r>
+              <a:rPr kumimoji="1" lang="en-US" altLang="ja-JP" dirty="0"/>
+              <a:t>GCAT</a:t>
+            </a:r>
+            <a:r>
+              <a:rPr kumimoji="1" lang="en-US" altLang="ja-JP" dirty="0">
+                <a:solidFill>
+                  <a:srgbClr val="FF0000"/>
+                </a:solidFill>
+              </a:rPr>
+              <a:t>A</a:t>
+            </a:r>
+            <a:r>
+              <a:rPr kumimoji="1" lang="en-US" altLang="ja-JP" dirty="0"/>
+              <a:t>CATG</a:t>
+            </a:r>
+            <a:r>
+              <a:rPr kumimoji="1" lang="en-US" altLang="ja-JP" dirty="0">
+                <a:solidFill>
+                  <a:srgbClr val="FF0000"/>
+                </a:solidFill>
+              </a:rPr>
+              <a:t>TT</a:t>
+            </a:r>
+            <a:r>
+              <a:rPr kumimoji="1" lang="en-US" altLang="ja-JP" dirty="0"/>
+              <a:t>TGC</a:t>
+            </a:r>
+            <a:endParaRPr kumimoji="1" lang="ja-JP" altLang="en-US" dirty="0"/>
+          </a:p>
+        </p:txBody>
+      </p:sp>
+      <p:cxnSp>
+        <p:nvCxnSpPr>
+          <p:cNvPr id="15" name="直線矢印コネクタ 14">
+            <a:extLst>
+              <a:ext uri="{FF2B5EF4-FFF2-40B4-BE49-F238E27FC236}">
+                <a16:creationId xmlns:a16="http://schemas.microsoft.com/office/drawing/2014/main" id="{5EBE7C61-0E26-CC65-2629-046B81039BA4}"/>
+              </a:ext>
+            </a:extLst>
+          </p:cNvPr>
+          <p:cNvCxnSpPr>
+            <a:cxnSpLocks/>
+          </p:cNvCxnSpPr>
+          <p:nvPr/>
+        </p:nvCxnSpPr>
+        <p:spPr>
+          <a:xfrm>
+            <a:off x="1213104" y="1822704"/>
+            <a:ext cx="0" cy="594450"/>
+          </a:xfrm>
+          <a:prstGeom prst="straightConnector1">
+            <a:avLst/>
+          </a:prstGeom>
+          <a:ln w="38100">
+            <a:solidFill>
+              <a:schemeClr val="tx1"/>
+            </a:solidFill>
+            <a:tailEnd type="triangle"/>
+          </a:ln>
+        </p:spPr>
+        <p:style>
+          <a:lnRef idx="1">
+            <a:schemeClr val="accent1"/>
+          </a:lnRef>
+          <a:fillRef idx="0">
+            <a:schemeClr val="accent1"/>
+          </a:fillRef>
+          <a:effectRef idx="0">
+            <a:schemeClr val="accent1"/>
+          </a:effectRef>
+          <a:fontRef idx="minor">
+            <a:schemeClr val="tx1"/>
+          </a:fontRef>
+        </p:style>
+      </p:cxnSp>
+      <p:sp>
+        <p:nvSpPr>
+          <p:cNvPr id="16" name="テキスト ボックス 15">
+            <a:extLst>
+              <a:ext uri="{FF2B5EF4-FFF2-40B4-BE49-F238E27FC236}">
+                <a16:creationId xmlns:a16="http://schemas.microsoft.com/office/drawing/2014/main" id="{FB7591A5-374B-12F8-8386-352F1C3D5F63}"/>
+              </a:ext>
+            </a:extLst>
+          </p:cNvPr>
+          <p:cNvSpPr txBox="1"/>
+          <p:nvPr/>
+        </p:nvSpPr>
+        <p:spPr>
+          <a:xfrm>
+            <a:off x="1382088" y="1928155"/>
+            <a:ext cx="1486712" cy="307777"/>
+          </a:xfrm>
+          <a:prstGeom prst="rect">
+            <a:avLst/>
+          </a:prstGeom>
+          <a:solidFill>
+            <a:schemeClr val="bg1"/>
+          </a:solidFill>
+          <a:ln w="12700">
+            <a:solidFill>
+              <a:schemeClr val="tx1"/>
+            </a:solidFill>
+          </a:ln>
+        </p:spPr>
+        <p:txBody>
+          <a:bodyPr wrap="square" rtlCol="0">
+            <a:spAutoFit/>
+          </a:bodyPr>
+          <a:lstStyle/>
+          <a:p>
+            <a:r>
+              <a:rPr kumimoji="1" lang="en-US" altLang="ja-JP" sz="1400" dirty="0"/>
+              <a:t>EMS mutagenesis</a:t>
+            </a:r>
+            <a:endParaRPr kumimoji="1" lang="ja-JP" altLang="en-US" sz="1400" dirty="0"/>
+          </a:p>
+        </p:txBody>
+      </p:sp>
+      <p:sp>
+        <p:nvSpPr>
+          <p:cNvPr id="17" name="稲妻 16">
+            <a:extLst>
+              <a:ext uri="{FF2B5EF4-FFF2-40B4-BE49-F238E27FC236}">
+                <a16:creationId xmlns:a16="http://schemas.microsoft.com/office/drawing/2014/main" id="{5EF7BD5F-1D39-63B9-80F9-4530A397CD2B}"/>
+              </a:ext>
+            </a:extLst>
+          </p:cNvPr>
+          <p:cNvSpPr/>
+          <p:nvPr/>
+        </p:nvSpPr>
+        <p:spPr>
+          <a:xfrm>
+            <a:off x="652272" y="1715621"/>
+            <a:ext cx="560828" cy="466747"/>
+          </a:xfrm>
+          <a:prstGeom prst="lightningBolt">
+            <a:avLst/>
+          </a:prstGeom>
+          <a:solidFill>
+            <a:schemeClr val="accent4"/>
+          </a:solidFill>
+        </p:spPr>
+        <p:style>
+          <a:lnRef idx="2">
+            <a:schemeClr val="accent1">
+              <a:shade val="50000"/>
+            </a:schemeClr>
+          </a:lnRef>
+          <a:fillRef idx="1">
+            <a:schemeClr val="accent1"/>
+          </a:fillRef>
+          <a:effectRef idx="0">
+            <a:schemeClr val="accent1"/>
+          </a:effectRef>
+          <a:fontRef idx="minor">
+            <a:schemeClr val="lt1"/>
+          </a:fontRef>
+        </p:style>
+        <p:txBody>
+          <a:bodyPr rtlCol="0" anchor="ctr"/>
+          <a:lstStyle/>
+          <a:p>
+            <a:pPr algn="ctr"/>
+            <a:endParaRPr kumimoji="1" lang="ja-JP" altLang="en-US"/>
+          </a:p>
+        </p:txBody>
+      </p:sp>
+      <p:pic>
+        <p:nvPicPr>
+          <p:cNvPr id="18" name="Picture 2">
+            <a:extLst>
+              <a:ext uri="{FF2B5EF4-FFF2-40B4-BE49-F238E27FC236}">
+                <a16:creationId xmlns:a16="http://schemas.microsoft.com/office/drawing/2014/main" id="{5413D1B9-8C61-8188-D3C7-5C6573DAADD1}"/>
+              </a:ext>
+            </a:extLst>
+          </p:cNvPr>
+          <p:cNvPicPr>
+            <a:picLocks noChangeAspect="1" noChangeArrowheads="1"/>
+          </p:cNvPicPr>
+          <p:nvPr/>
+        </p:nvPicPr>
+        <p:blipFill rotWithShape="1">
+          <a:blip r:embed="rId2">
+            <a:extLst>
+              <a:ext uri="{28A0092B-C50C-407E-A947-70E740481C1C}">
+                <a14:useLocalDpi xmlns:a14="http://schemas.microsoft.com/office/drawing/2010/main" val="0"/>
+              </a:ext>
+            </a:extLst>
+          </a:blip>
+          <a:srcRect l="20046" t="5509" r="70497" b="82864"/>
+          <a:stretch/>
+        </p:blipFill>
+        <p:spPr bwMode="auto">
+          <a:xfrm>
+            <a:off x="1840224" y="4368836"/>
+            <a:ext cx="641560" cy="752354"/>
+          </a:xfrm>
+          <a:prstGeom prst="rect">
+            <a:avLst/>
+          </a:prstGeom>
+          <a:noFill/>
+          <a:extLst>
+            <a:ext uri="{909E8E84-426E-40DD-AFC4-6F175D3DCCD1}">
+              <a14:hiddenFill xmlns:a14="http://schemas.microsoft.com/office/drawing/2010/main">
+                <a:solidFill>
+                  <a:srgbClr val="FFFFFF"/>
+                </a:solidFill>
+              </a14:hiddenFill>
+            </a:ext>
+          </a:extLst>
+        </p:spPr>
+      </p:pic>
+      <p:pic>
+        <p:nvPicPr>
+          <p:cNvPr id="19" name="Picture 2">
+            <a:extLst>
+              <a:ext uri="{FF2B5EF4-FFF2-40B4-BE49-F238E27FC236}">
+                <a16:creationId xmlns:a16="http://schemas.microsoft.com/office/drawing/2014/main" id="{7A67C6EC-00B3-B0F6-8BBF-7F048B1A11D1}"/>
+              </a:ext>
+            </a:extLst>
+          </p:cNvPr>
+          <p:cNvPicPr>
+            <a:picLocks noChangeAspect="1" noChangeArrowheads="1"/>
+          </p:cNvPicPr>
+          <p:nvPr/>
+        </p:nvPicPr>
+        <p:blipFill rotWithShape="1">
+          <a:blip r:embed="rId2">
+            <a:extLst>
+              <a:ext uri="{28A0092B-C50C-407E-A947-70E740481C1C}">
+                <a14:useLocalDpi xmlns:a14="http://schemas.microsoft.com/office/drawing/2010/main" val="0"/>
+              </a:ext>
+            </a:extLst>
+          </a:blip>
+          <a:srcRect l="1862" t="5509" r="87443" b="82864"/>
+          <a:stretch/>
+        </p:blipFill>
+        <p:spPr bwMode="auto">
+          <a:xfrm>
+            <a:off x="3069694" y="4368836"/>
+            <a:ext cx="725540" cy="752354"/>
+          </a:xfrm>
+          <a:prstGeom prst="rect">
+            <a:avLst/>
+          </a:prstGeom>
+          <a:noFill/>
+          <a:extLst>
+            <a:ext uri="{909E8E84-426E-40DD-AFC4-6F175D3DCCD1}">
+              <a14:hiddenFill xmlns:a14="http://schemas.microsoft.com/office/drawing/2010/main">
+                <a:solidFill>
+                  <a:srgbClr val="FFFFFF"/>
+                </a:solidFill>
+              </a14:hiddenFill>
+            </a:ext>
+          </a:extLst>
+        </p:spPr>
+      </p:pic>
+      <p:sp>
+        <p:nvSpPr>
+          <p:cNvPr id="20" name="テキスト ボックス 19">
+            <a:extLst>
+              <a:ext uri="{FF2B5EF4-FFF2-40B4-BE49-F238E27FC236}">
+                <a16:creationId xmlns:a16="http://schemas.microsoft.com/office/drawing/2014/main" id="{E9AC151F-E5CE-AC65-2D17-0FAA7E4D56E6}"/>
+              </a:ext>
+            </a:extLst>
+          </p:cNvPr>
+          <p:cNvSpPr txBox="1"/>
+          <p:nvPr/>
+        </p:nvSpPr>
+        <p:spPr>
+          <a:xfrm>
+            <a:off x="2509848" y="4597970"/>
+            <a:ext cx="543739" cy="523220"/>
+          </a:xfrm>
+          <a:prstGeom prst="rect">
+            <a:avLst/>
+          </a:prstGeom>
+          <a:noFill/>
+        </p:spPr>
+        <p:txBody>
+          <a:bodyPr wrap="none" rtlCol="0">
+            <a:spAutoFit/>
+          </a:bodyPr>
+          <a:lstStyle/>
+          <a:p>
+            <a:r>
+              <a:rPr kumimoji="1" lang="en-US" altLang="ja-JP" sz="2800" b="1" dirty="0"/>
+              <a:t>×</a:t>
+            </a:r>
+            <a:endParaRPr kumimoji="1" lang="ja-JP" altLang="en-US" sz="2800" b="1" dirty="0"/>
+          </a:p>
+        </p:txBody>
+      </p:sp>
+      <p:cxnSp>
+        <p:nvCxnSpPr>
+          <p:cNvPr id="21" name="直線矢印コネクタ 20">
+            <a:extLst>
+              <a:ext uri="{FF2B5EF4-FFF2-40B4-BE49-F238E27FC236}">
+                <a16:creationId xmlns:a16="http://schemas.microsoft.com/office/drawing/2014/main" id="{CEE49585-9C7F-BCD2-AFC4-75784EEB9E60}"/>
+              </a:ext>
+            </a:extLst>
+          </p:cNvPr>
+          <p:cNvCxnSpPr>
+            <a:cxnSpLocks/>
+          </p:cNvCxnSpPr>
+          <p:nvPr/>
+        </p:nvCxnSpPr>
+        <p:spPr>
+          <a:xfrm>
+            <a:off x="2781717" y="5121190"/>
+            <a:ext cx="0" cy="594450"/>
+          </a:xfrm>
+          <a:prstGeom prst="straightConnector1">
+            <a:avLst/>
+          </a:prstGeom>
+          <a:ln w="38100">
+            <a:solidFill>
+              <a:schemeClr val="tx1"/>
+            </a:solidFill>
+            <a:tailEnd type="triangle"/>
+          </a:ln>
+        </p:spPr>
+        <p:style>
+          <a:lnRef idx="1">
+            <a:schemeClr val="accent1"/>
+          </a:lnRef>
+          <a:fillRef idx="0">
+            <a:schemeClr val="accent1"/>
+          </a:fillRef>
+          <a:effectRef idx="0">
+            <a:schemeClr val="accent1"/>
+          </a:effectRef>
+          <a:fontRef idx="minor">
+            <a:schemeClr val="tx1"/>
+          </a:fontRef>
+        </p:style>
+      </p:cxnSp>
+      <p:pic>
+        <p:nvPicPr>
+          <p:cNvPr id="22" name="Picture 2">
+            <a:extLst>
+              <a:ext uri="{FF2B5EF4-FFF2-40B4-BE49-F238E27FC236}">
+                <a16:creationId xmlns:a16="http://schemas.microsoft.com/office/drawing/2014/main" id="{77B3BA16-FBEE-E284-1EC8-4935DA6B19F0}"/>
+              </a:ext>
+            </a:extLst>
+          </p:cNvPr>
+          <p:cNvPicPr>
+            <a:picLocks noChangeAspect="1" noChangeArrowheads="1"/>
+          </p:cNvPicPr>
+          <p:nvPr/>
+        </p:nvPicPr>
+        <p:blipFill rotWithShape="1">
+          <a:blip r:embed="rId2">
+            <a:extLst>
+              <a:ext uri="{28A0092B-C50C-407E-A947-70E740481C1C}">
+                <a14:useLocalDpi xmlns:a14="http://schemas.microsoft.com/office/drawing/2010/main" val="0"/>
+              </a:ext>
+            </a:extLst>
+          </a:blip>
+          <a:srcRect l="20046" t="5509" r="70497" b="82864"/>
+          <a:stretch/>
+        </p:blipFill>
+        <p:spPr bwMode="auto">
+          <a:xfrm>
+            <a:off x="611906" y="5715640"/>
+            <a:ext cx="641560" cy="752354"/>
+          </a:xfrm>
+          <a:prstGeom prst="rect">
+            <a:avLst/>
+          </a:prstGeom>
+          <a:noFill/>
+          <a:extLst>
+            <a:ext uri="{909E8E84-426E-40DD-AFC4-6F175D3DCCD1}">
+              <a14:hiddenFill xmlns:a14="http://schemas.microsoft.com/office/drawing/2010/main">
+                <a:solidFill>
+                  <a:srgbClr val="FFFFFF"/>
+                </a:solidFill>
+              </a14:hiddenFill>
+            </a:ext>
+          </a:extLst>
+        </p:spPr>
+      </p:pic>
+      <p:pic>
+        <p:nvPicPr>
+          <p:cNvPr id="23" name="Picture 2">
+            <a:extLst>
+              <a:ext uri="{FF2B5EF4-FFF2-40B4-BE49-F238E27FC236}">
+                <a16:creationId xmlns:a16="http://schemas.microsoft.com/office/drawing/2014/main" id="{162311BB-57DA-21CC-64DB-FDE3D8A046A7}"/>
+              </a:ext>
+            </a:extLst>
+          </p:cNvPr>
+          <p:cNvPicPr>
+            <a:picLocks noChangeAspect="1" noChangeArrowheads="1"/>
+          </p:cNvPicPr>
+          <p:nvPr/>
+        </p:nvPicPr>
+        <p:blipFill rotWithShape="1">
+          <a:blip r:embed="rId2">
+            <a:extLst>
+              <a:ext uri="{28A0092B-C50C-407E-A947-70E740481C1C}">
+                <a14:useLocalDpi xmlns:a14="http://schemas.microsoft.com/office/drawing/2010/main" val="0"/>
+              </a:ext>
+            </a:extLst>
+          </a:blip>
+          <a:srcRect l="20046" t="5509" r="70497" b="82864"/>
+          <a:stretch/>
+        </p:blipFill>
+        <p:spPr bwMode="auto">
+          <a:xfrm>
+            <a:off x="1213100" y="5712215"/>
+            <a:ext cx="641560" cy="752354"/>
+          </a:xfrm>
+          <a:prstGeom prst="rect">
+            <a:avLst/>
+          </a:prstGeom>
+          <a:noFill/>
+          <a:extLst>
+            <a:ext uri="{909E8E84-426E-40DD-AFC4-6F175D3DCCD1}">
+              <a14:hiddenFill xmlns:a14="http://schemas.microsoft.com/office/drawing/2010/main">
+                <a:solidFill>
+                  <a:srgbClr val="FFFFFF"/>
+                </a:solidFill>
+              </a14:hiddenFill>
+            </a:ext>
+          </a:extLst>
+        </p:spPr>
+      </p:pic>
+      <p:pic>
+        <p:nvPicPr>
+          <p:cNvPr id="24" name="Picture 2">
+            <a:extLst>
+              <a:ext uri="{FF2B5EF4-FFF2-40B4-BE49-F238E27FC236}">
+                <a16:creationId xmlns:a16="http://schemas.microsoft.com/office/drawing/2014/main" id="{4C5866EB-5873-A58D-4F8C-7F3A56AB50F8}"/>
+              </a:ext>
+            </a:extLst>
+          </p:cNvPr>
+          <p:cNvPicPr>
+            <a:picLocks noChangeAspect="1" noChangeArrowheads="1"/>
+          </p:cNvPicPr>
+          <p:nvPr/>
+        </p:nvPicPr>
+        <p:blipFill rotWithShape="1">
+          <a:blip r:embed="rId2">
+            <a:extLst>
+              <a:ext uri="{28A0092B-C50C-407E-A947-70E740481C1C}">
+                <a14:useLocalDpi xmlns:a14="http://schemas.microsoft.com/office/drawing/2010/main" val="0"/>
+              </a:ext>
+            </a:extLst>
+          </a:blip>
+          <a:srcRect l="1862" t="5509" r="87443" b="82864"/>
+          <a:stretch/>
+        </p:blipFill>
+        <p:spPr bwMode="auto">
+          <a:xfrm>
+            <a:off x="1730314" y="5712215"/>
+            <a:ext cx="725540" cy="752354"/>
+          </a:xfrm>
+          <a:prstGeom prst="rect">
+            <a:avLst/>
+          </a:prstGeom>
+          <a:noFill/>
+          <a:extLst>
+            <a:ext uri="{909E8E84-426E-40DD-AFC4-6F175D3DCCD1}">
+              <a14:hiddenFill xmlns:a14="http://schemas.microsoft.com/office/drawing/2010/main">
+                <a:solidFill>
+                  <a:srgbClr val="FFFFFF"/>
+                </a:solidFill>
+              </a14:hiddenFill>
+            </a:ext>
+          </a:extLst>
+        </p:spPr>
+      </p:pic>
+      <p:pic>
+        <p:nvPicPr>
+          <p:cNvPr id="28" name="Picture 2">
+            <a:extLst>
+              <a:ext uri="{FF2B5EF4-FFF2-40B4-BE49-F238E27FC236}">
+                <a16:creationId xmlns:a16="http://schemas.microsoft.com/office/drawing/2014/main" id="{AC9B578F-5C04-5885-EF8B-C5BF6C078B2C}"/>
+              </a:ext>
+            </a:extLst>
+          </p:cNvPr>
+          <p:cNvPicPr>
+            <a:picLocks noChangeAspect="1" noChangeArrowheads="1"/>
+          </p:cNvPicPr>
+          <p:nvPr/>
+        </p:nvPicPr>
+        <p:blipFill rotWithShape="1">
+          <a:blip r:embed="rId2">
+            <a:extLst>
+              <a:ext uri="{28A0092B-C50C-407E-A947-70E740481C1C}">
+                <a14:useLocalDpi xmlns:a14="http://schemas.microsoft.com/office/drawing/2010/main" val="0"/>
+              </a:ext>
+            </a:extLst>
+          </a:blip>
+          <a:srcRect l="20046" t="5509" r="70497" b="82864"/>
+          <a:stretch/>
+        </p:blipFill>
+        <p:spPr bwMode="auto">
+          <a:xfrm>
+            <a:off x="2331508" y="5720819"/>
+            <a:ext cx="641560" cy="752354"/>
+          </a:xfrm>
+          <a:prstGeom prst="rect">
+            <a:avLst/>
+          </a:prstGeom>
+          <a:noFill/>
+          <a:extLst>
+            <a:ext uri="{909E8E84-426E-40DD-AFC4-6F175D3DCCD1}">
+              <a14:hiddenFill xmlns:a14="http://schemas.microsoft.com/office/drawing/2010/main">
+                <a:solidFill>
+                  <a:srgbClr val="FFFFFF"/>
+                </a:solidFill>
+              </a14:hiddenFill>
+            </a:ext>
+          </a:extLst>
+        </p:spPr>
+      </p:pic>
+      <p:pic>
+        <p:nvPicPr>
+          <p:cNvPr id="30" name="Picture 2">
+            <a:extLst>
+              <a:ext uri="{FF2B5EF4-FFF2-40B4-BE49-F238E27FC236}">
+                <a16:creationId xmlns:a16="http://schemas.microsoft.com/office/drawing/2014/main" id="{724E1107-DE7E-38A8-E160-13CFF8D40884}"/>
+              </a:ext>
+            </a:extLst>
+          </p:cNvPr>
+          <p:cNvPicPr>
+            <a:picLocks noChangeAspect="1" noChangeArrowheads="1"/>
+          </p:cNvPicPr>
+          <p:nvPr/>
+        </p:nvPicPr>
+        <p:blipFill rotWithShape="1">
+          <a:blip r:embed="rId2">
+            <a:extLst>
+              <a:ext uri="{28A0092B-C50C-407E-A947-70E740481C1C}">
+                <a14:useLocalDpi xmlns:a14="http://schemas.microsoft.com/office/drawing/2010/main" val="0"/>
+              </a:ext>
+            </a:extLst>
+          </a:blip>
+          <a:srcRect l="1862" t="5509" r="87443" b="82864"/>
+          <a:stretch/>
+        </p:blipFill>
+        <p:spPr bwMode="auto">
+          <a:xfrm>
+            <a:off x="3449916" y="5717394"/>
+            <a:ext cx="725540" cy="752354"/>
+          </a:xfrm>
+          <a:prstGeom prst="rect">
+            <a:avLst/>
+          </a:prstGeom>
+          <a:noFill/>
+          <a:extLst>
+            <a:ext uri="{909E8E84-426E-40DD-AFC4-6F175D3DCCD1}">
+              <a14:hiddenFill xmlns:a14="http://schemas.microsoft.com/office/drawing/2010/main">
+                <a:solidFill>
+                  <a:srgbClr val="FFFFFF"/>
+                </a:solidFill>
+              </a14:hiddenFill>
+            </a:ext>
+          </a:extLst>
+        </p:spPr>
+      </p:pic>
+      <p:pic>
+        <p:nvPicPr>
+          <p:cNvPr id="31" name="Picture 2">
+            <a:extLst>
+              <a:ext uri="{FF2B5EF4-FFF2-40B4-BE49-F238E27FC236}">
+                <a16:creationId xmlns:a16="http://schemas.microsoft.com/office/drawing/2014/main" id="{CE5AE9CA-20B0-619C-BE6B-3B8172DF3AB1}"/>
+              </a:ext>
+            </a:extLst>
+          </p:cNvPr>
+          <p:cNvPicPr>
+            <a:picLocks noChangeAspect="1" noChangeArrowheads="1"/>
+          </p:cNvPicPr>
+          <p:nvPr/>
+        </p:nvPicPr>
+        <p:blipFill rotWithShape="1">
+          <a:blip r:embed="rId2">
+            <a:extLst>
+              <a:ext uri="{28A0092B-C50C-407E-A947-70E740481C1C}">
+                <a14:useLocalDpi xmlns:a14="http://schemas.microsoft.com/office/drawing/2010/main" val="0"/>
+              </a:ext>
+            </a:extLst>
+          </a:blip>
+          <a:srcRect l="20046" t="5509" r="70497" b="82864"/>
+          <a:stretch/>
+        </p:blipFill>
+        <p:spPr bwMode="auto">
+          <a:xfrm>
+            <a:off x="4018265" y="5720819"/>
+            <a:ext cx="641560" cy="752354"/>
+          </a:xfrm>
+          <a:prstGeom prst="rect">
+            <a:avLst/>
+          </a:prstGeom>
+          <a:noFill/>
+          <a:extLst>
+            <a:ext uri="{909E8E84-426E-40DD-AFC4-6F175D3DCCD1}">
+              <a14:hiddenFill xmlns:a14="http://schemas.microsoft.com/office/drawing/2010/main">
+                <a:solidFill>
+                  <a:srgbClr val="FFFFFF"/>
+                </a:solidFill>
+              </a14:hiddenFill>
+            </a:ext>
+          </a:extLst>
+        </p:spPr>
+      </p:pic>
+      <p:pic>
+        <p:nvPicPr>
+          <p:cNvPr id="32" name="Picture 2">
+            <a:extLst>
+              <a:ext uri="{FF2B5EF4-FFF2-40B4-BE49-F238E27FC236}">
+                <a16:creationId xmlns:a16="http://schemas.microsoft.com/office/drawing/2014/main" id="{93F67F87-1F65-FC3C-51D7-4906E01FC894}"/>
+              </a:ext>
+            </a:extLst>
+          </p:cNvPr>
+          <p:cNvPicPr>
+            <a:picLocks noChangeAspect="1" noChangeArrowheads="1"/>
+          </p:cNvPicPr>
+          <p:nvPr/>
+        </p:nvPicPr>
+        <p:blipFill rotWithShape="1">
+          <a:blip r:embed="rId2">
+            <a:extLst>
+              <a:ext uri="{28A0092B-C50C-407E-A947-70E740481C1C}">
+                <a14:useLocalDpi xmlns:a14="http://schemas.microsoft.com/office/drawing/2010/main" val="0"/>
+              </a:ext>
+            </a:extLst>
+          </a:blip>
+          <a:srcRect l="20046" t="5509" r="70497" b="82864"/>
+          <a:stretch/>
+        </p:blipFill>
+        <p:spPr bwMode="auto">
+          <a:xfrm>
+            <a:off x="4619459" y="5717394"/>
+            <a:ext cx="641560" cy="752354"/>
+          </a:xfrm>
+          <a:prstGeom prst="rect">
+            <a:avLst/>
+          </a:prstGeom>
+          <a:noFill/>
+          <a:extLst>
+            <a:ext uri="{909E8E84-426E-40DD-AFC4-6F175D3DCCD1}">
+              <a14:hiddenFill xmlns:a14="http://schemas.microsoft.com/office/drawing/2010/main">
+                <a:solidFill>
+                  <a:srgbClr val="FFFFFF"/>
+                </a:solidFill>
+              </a14:hiddenFill>
+            </a:ext>
+          </a:extLst>
+        </p:spPr>
+      </p:pic>
+      <p:pic>
+        <p:nvPicPr>
+          <p:cNvPr id="34" name="Picture 2">
+            <a:extLst>
+              <a:ext uri="{FF2B5EF4-FFF2-40B4-BE49-F238E27FC236}">
+                <a16:creationId xmlns:a16="http://schemas.microsoft.com/office/drawing/2014/main" id="{E1EEF2E6-CDAF-C672-65E8-F8E0D019A4B1}"/>
+              </a:ext>
+            </a:extLst>
+          </p:cNvPr>
+          <p:cNvPicPr>
+            <a:picLocks noChangeAspect="1" noChangeArrowheads="1"/>
+          </p:cNvPicPr>
+          <p:nvPr/>
+        </p:nvPicPr>
+        <p:blipFill rotWithShape="1">
+          <a:blip r:embed="rId2">
+            <a:extLst>
+              <a:ext uri="{28A0092B-C50C-407E-A947-70E740481C1C}">
+                <a14:useLocalDpi xmlns:a14="http://schemas.microsoft.com/office/drawing/2010/main" val="0"/>
+              </a:ext>
+            </a:extLst>
+          </a:blip>
+          <a:srcRect l="1862" t="5509" r="87443" b="82864"/>
+          <a:stretch/>
+        </p:blipFill>
+        <p:spPr bwMode="auto">
+          <a:xfrm>
+            <a:off x="2871159" y="5719107"/>
+            <a:ext cx="725540" cy="752354"/>
+          </a:xfrm>
+          <a:prstGeom prst="rect">
+            <a:avLst/>
+          </a:prstGeom>
+          <a:noFill/>
+          <a:extLst>
+            <a:ext uri="{909E8E84-426E-40DD-AFC4-6F175D3DCCD1}">
+              <a14:hiddenFill xmlns:a14="http://schemas.microsoft.com/office/drawing/2010/main">
+                <a:solidFill>
+                  <a:srgbClr val="FFFFFF"/>
+                </a:solidFill>
+              </a14:hiddenFill>
+            </a:ext>
+          </a:extLst>
+        </p:spPr>
+      </p:pic>
+      <p:sp>
+        <p:nvSpPr>
+          <p:cNvPr id="35" name="テキスト ボックス 34">
+            <a:extLst>
+              <a:ext uri="{FF2B5EF4-FFF2-40B4-BE49-F238E27FC236}">
+                <a16:creationId xmlns:a16="http://schemas.microsoft.com/office/drawing/2014/main" id="{C3E22B6B-6301-7668-6592-AE8D4F13909F}"/>
+              </a:ext>
+            </a:extLst>
+          </p:cNvPr>
+          <p:cNvSpPr txBox="1"/>
+          <p:nvPr/>
+        </p:nvSpPr>
+        <p:spPr>
+          <a:xfrm>
+            <a:off x="1663750" y="4154420"/>
+            <a:ext cx="923388" cy="307777"/>
+          </a:xfrm>
+          <a:prstGeom prst="rect">
+            <a:avLst/>
+          </a:prstGeom>
+          <a:solidFill>
+            <a:schemeClr val="bg1"/>
+          </a:solidFill>
+          <a:ln w="12700">
+            <a:noFill/>
+          </a:ln>
+        </p:spPr>
+        <p:txBody>
+          <a:bodyPr wrap="square" rtlCol="0">
+            <a:spAutoFit/>
+          </a:bodyPr>
+          <a:lstStyle/>
+          <a:p>
+            <a:r>
+              <a:rPr kumimoji="1" lang="en-US" altLang="ja-JP" sz="1400"/>
+              <a:t>Reference</a:t>
+            </a:r>
+            <a:endParaRPr kumimoji="1" lang="ja-JP" altLang="en-US" sz="1400" dirty="0"/>
+          </a:p>
+        </p:txBody>
+      </p:sp>
+      <p:sp>
+        <p:nvSpPr>
+          <p:cNvPr id="36" name="テキスト ボックス 35">
+            <a:extLst>
+              <a:ext uri="{FF2B5EF4-FFF2-40B4-BE49-F238E27FC236}">
+                <a16:creationId xmlns:a16="http://schemas.microsoft.com/office/drawing/2014/main" id="{D90689F4-34B2-960B-63E7-3A25190C0CDA}"/>
+              </a:ext>
+            </a:extLst>
+          </p:cNvPr>
+          <p:cNvSpPr txBox="1"/>
+          <p:nvPr/>
+        </p:nvSpPr>
+        <p:spPr>
+          <a:xfrm>
+            <a:off x="3061078" y="4154420"/>
+            <a:ext cx="777676" cy="307777"/>
+          </a:xfrm>
+          <a:prstGeom prst="rect">
+            <a:avLst/>
+          </a:prstGeom>
+          <a:solidFill>
+            <a:schemeClr val="bg1"/>
+          </a:solidFill>
+          <a:ln w="12700">
+            <a:noFill/>
+          </a:ln>
+        </p:spPr>
+        <p:txBody>
+          <a:bodyPr wrap="square" rtlCol="0">
+            <a:spAutoFit/>
+          </a:bodyPr>
+          <a:lstStyle/>
+          <a:p>
+            <a:r>
+              <a:rPr kumimoji="1" lang="en-US" altLang="ja-JP" sz="1400" dirty="0"/>
+              <a:t>Mutant</a:t>
+            </a:r>
+            <a:endParaRPr kumimoji="1" lang="ja-JP" altLang="en-US" sz="1400" dirty="0"/>
+          </a:p>
+        </p:txBody>
+      </p:sp>
+      <p:sp>
+        <p:nvSpPr>
+          <p:cNvPr id="41" name="吹き出し: 角を丸めた四角形 40">
+            <a:extLst>
+              <a:ext uri="{FF2B5EF4-FFF2-40B4-BE49-F238E27FC236}">
+                <a16:creationId xmlns:a16="http://schemas.microsoft.com/office/drawing/2014/main" id="{1C2FC10E-41D9-9164-EE55-5BEDEFE8FFC3}"/>
+              </a:ext>
+            </a:extLst>
+          </p:cNvPr>
+          <p:cNvSpPr/>
+          <p:nvPr/>
+        </p:nvSpPr>
+        <p:spPr>
+          <a:xfrm>
+            <a:off x="457503" y="6902122"/>
+            <a:ext cx="1913128" cy="210916"/>
+          </a:xfrm>
+          <a:prstGeom prst="wedgeRoundRectCallout">
+            <a:avLst>
+              <a:gd name="adj1" fmla="val 32460"/>
+              <a:gd name="adj2" fmla="val -96864"/>
+              <a:gd name="adj3" fmla="val 16667"/>
+            </a:avLst>
+          </a:prstGeom>
+        </p:spPr>
+        <p:style>
+          <a:lnRef idx="2">
+            <a:schemeClr val="dk1">
+              <a:shade val="50000"/>
+            </a:schemeClr>
+          </a:lnRef>
+          <a:fillRef idx="1">
+            <a:schemeClr val="dk1"/>
+          </a:fillRef>
+          <a:effectRef idx="0">
+            <a:schemeClr val="dk1"/>
+          </a:effectRef>
+          <a:fontRef idx="minor">
+            <a:schemeClr val="lt1"/>
+          </a:fontRef>
+        </p:style>
+        <p:txBody>
+          <a:bodyPr rtlCol="0" anchor="ctr"/>
+          <a:lstStyle/>
+          <a:p>
+            <a:pPr algn="ctr"/>
+            <a:r>
+              <a:rPr kumimoji="1" lang="en-US" altLang="ja-JP" sz="1200" dirty="0">
+                <a:solidFill>
+                  <a:srgbClr val="FF0000"/>
+                </a:solidFill>
+              </a:rPr>
+              <a:t>G</a:t>
+            </a:r>
+            <a:r>
+              <a:rPr kumimoji="1" lang="en-US" altLang="ja-JP" sz="1200" dirty="0"/>
+              <a:t>TGCA</a:t>
+            </a:r>
+            <a:r>
+              <a:rPr kumimoji="1" lang="en-US" altLang="ja-JP" sz="1200" dirty="0">
+                <a:solidFill>
+                  <a:srgbClr val="FF0000"/>
+                </a:solidFill>
+              </a:rPr>
+              <a:t>A</a:t>
+            </a:r>
+            <a:r>
+              <a:rPr kumimoji="1" lang="en-US" altLang="ja-JP" sz="1200" dirty="0">
+                <a:solidFill>
+                  <a:schemeClr val="bg1"/>
+                </a:solidFill>
+              </a:rPr>
+              <a:t>GCATGCAT</a:t>
+            </a:r>
+            <a:r>
+              <a:rPr kumimoji="1" lang="en-US" altLang="ja-JP" sz="1200" dirty="0"/>
+              <a:t>G</a:t>
+            </a:r>
+            <a:r>
+              <a:rPr kumimoji="1" lang="en-US" altLang="ja-JP" sz="1200" dirty="0">
+                <a:solidFill>
+                  <a:srgbClr val="FF0000"/>
+                </a:solidFill>
+              </a:rPr>
+              <a:t>TT</a:t>
+            </a:r>
+            <a:r>
+              <a:rPr kumimoji="1" lang="en-US" altLang="ja-JP" sz="1200" dirty="0"/>
+              <a:t>TGC</a:t>
+            </a:r>
+            <a:endParaRPr kumimoji="1" lang="ja-JP" altLang="en-US" sz="1200" dirty="0"/>
+          </a:p>
+        </p:txBody>
+      </p:sp>
+      <p:sp>
+        <p:nvSpPr>
+          <p:cNvPr id="42" name="吹き出し: 角を丸めた四角形 41">
+            <a:extLst>
+              <a:ext uri="{FF2B5EF4-FFF2-40B4-BE49-F238E27FC236}">
+                <a16:creationId xmlns:a16="http://schemas.microsoft.com/office/drawing/2014/main" id="{BD453EA8-F6AD-4171-57F1-8D664C9663AE}"/>
+              </a:ext>
+            </a:extLst>
+          </p:cNvPr>
+          <p:cNvSpPr/>
+          <p:nvPr/>
+        </p:nvSpPr>
+        <p:spPr>
+          <a:xfrm>
+            <a:off x="3040682" y="6902122"/>
+            <a:ext cx="1913128" cy="210916"/>
+          </a:xfrm>
+          <a:prstGeom prst="wedgeRoundRectCallout">
+            <a:avLst>
+              <a:gd name="adj1" fmla="val -37960"/>
+              <a:gd name="adj2" fmla="val -117096"/>
+              <a:gd name="adj3" fmla="val 16667"/>
+            </a:avLst>
+          </a:prstGeom>
+        </p:spPr>
+        <p:style>
+          <a:lnRef idx="2">
+            <a:schemeClr val="dk1">
+              <a:shade val="50000"/>
+            </a:schemeClr>
+          </a:lnRef>
+          <a:fillRef idx="1">
+            <a:schemeClr val="dk1"/>
+          </a:fillRef>
+          <a:effectRef idx="0">
+            <a:schemeClr val="dk1"/>
+          </a:effectRef>
+          <a:fontRef idx="minor">
+            <a:schemeClr val="lt1"/>
+          </a:fontRef>
+        </p:style>
+        <p:txBody>
+          <a:bodyPr rtlCol="0" anchor="ctr"/>
+          <a:lstStyle/>
+          <a:p>
+            <a:pPr algn="ctr"/>
+            <a:r>
+              <a:rPr kumimoji="1" lang="en-US" altLang="ja-JP" sz="1200" dirty="0">
+                <a:solidFill>
+                  <a:schemeClr val="bg1"/>
+                </a:solidFill>
+              </a:rPr>
+              <a:t>A</a:t>
+            </a:r>
+            <a:r>
+              <a:rPr kumimoji="1" lang="en-US" altLang="ja-JP" sz="1200" dirty="0"/>
+              <a:t>TGCA</a:t>
+            </a:r>
+            <a:r>
+              <a:rPr kumimoji="1" lang="en-US" altLang="ja-JP" sz="1200" dirty="0">
+                <a:solidFill>
+                  <a:srgbClr val="FF0000"/>
+                </a:solidFill>
+              </a:rPr>
+              <a:t>A</a:t>
+            </a:r>
+            <a:r>
+              <a:rPr kumimoji="1" lang="en-US" altLang="ja-JP" sz="1200" dirty="0">
+                <a:solidFill>
+                  <a:schemeClr val="bg1"/>
+                </a:solidFill>
+              </a:rPr>
+              <a:t>GCAT</a:t>
+            </a:r>
+            <a:r>
+              <a:rPr kumimoji="1" lang="en-US" altLang="ja-JP" sz="1200" dirty="0">
+                <a:solidFill>
+                  <a:srgbClr val="FF0000"/>
+                </a:solidFill>
+              </a:rPr>
+              <a:t>A</a:t>
+            </a:r>
+            <a:r>
+              <a:rPr kumimoji="1" lang="en-US" altLang="ja-JP" sz="1200" dirty="0">
+                <a:solidFill>
+                  <a:schemeClr val="bg1"/>
+                </a:solidFill>
+              </a:rPr>
+              <a:t>CAT</a:t>
+            </a:r>
+            <a:r>
+              <a:rPr kumimoji="1" lang="en-US" altLang="ja-JP" sz="1200" dirty="0"/>
+              <a:t>G</a:t>
+            </a:r>
+            <a:r>
+              <a:rPr kumimoji="1" lang="en-US" altLang="ja-JP" sz="1200" dirty="0">
+                <a:solidFill>
+                  <a:schemeClr val="bg1"/>
+                </a:solidFill>
+              </a:rPr>
+              <a:t>C</a:t>
+            </a:r>
+            <a:r>
+              <a:rPr kumimoji="1" lang="en-US" altLang="ja-JP" sz="1200" dirty="0">
+                <a:solidFill>
+                  <a:srgbClr val="FF0000"/>
+                </a:solidFill>
+              </a:rPr>
+              <a:t>T</a:t>
+            </a:r>
+            <a:r>
+              <a:rPr kumimoji="1" lang="en-US" altLang="ja-JP" sz="1200" dirty="0"/>
+              <a:t>TGC</a:t>
+            </a:r>
+            <a:endParaRPr kumimoji="1" lang="ja-JP" altLang="en-US" sz="1200" dirty="0"/>
+          </a:p>
+        </p:txBody>
+      </p:sp>
+      <p:sp>
+        <p:nvSpPr>
+          <p:cNvPr id="43" name="テキスト ボックス 42">
+            <a:extLst>
+              <a:ext uri="{FF2B5EF4-FFF2-40B4-BE49-F238E27FC236}">
+                <a16:creationId xmlns:a16="http://schemas.microsoft.com/office/drawing/2014/main" id="{11740653-09E8-A8CF-A873-2402D2F6BB48}"/>
+              </a:ext>
+            </a:extLst>
+          </p:cNvPr>
+          <p:cNvSpPr txBox="1"/>
+          <p:nvPr/>
+        </p:nvSpPr>
+        <p:spPr>
+          <a:xfrm>
+            <a:off x="5204838" y="5799009"/>
+            <a:ext cx="433132" cy="523220"/>
+          </a:xfrm>
+          <a:prstGeom prst="rect">
+            <a:avLst/>
+          </a:prstGeom>
+          <a:noFill/>
+        </p:spPr>
+        <p:txBody>
+          <a:bodyPr wrap="none" rtlCol="0">
+            <a:spAutoFit/>
+          </a:bodyPr>
+          <a:lstStyle/>
+          <a:p>
+            <a:r>
+              <a:rPr kumimoji="1" lang="en-US" altLang="ja-JP" sz="2800" dirty="0"/>
+              <a:t>…</a:t>
+            </a:r>
+            <a:endParaRPr kumimoji="1" lang="ja-JP" altLang="en-US" sz="2800" dirty="0"/>
+          </a:p>
+        </p:txBody>
+      </p:sp>
+      <p:sp>
+        <p:nvSpPr>
+          <p:cNvPr id="44" name="テキスト ボックス 43">
+            <a:extLst>
+              <a:ext uri="{FF2B5EF4-FFF2-40B4-BE49-F238E27FC236}">
+                <a16:creationId xmlns:a16="http://schemas.microsoft.com/office/drawing/2014/main" id="{CCC097D8-FFDD-749D-079C-211D8DA690DF}"/>
+              </a:ext>
+            </a:extLst>
+          </p:cNvPr>
+          <p:cNvSpPr txBox="1"/>
+          <p:nvPr/>
+        </p:nvSpPr>
+        <p:spPr>
+          <a:xfrm>
+            <a:off x="5204838" y="6464569"/>
+            <a:ext cx="433132" cy="523220"/>
+          </a:xfrm>
+          <a:prstGeom prst="rect">
+            <a:avLst/>
+          </a:prstGeom>
+          <a:noFill/>
+        </p:spPr>
+        <p:txBody>
+          <a:bodyPr wrap="none" rtlCol="0">
+            <a:spAutoFit/>
+          </a:bodyPr>
+          <a:lstStyle/>
+          <a:p>
+            <a:r>
+              <a:rPr kumimoji="1" lang="en-US" altLang="ja-JP" sz="2800" dirty="0"/>
+              <a:t>…</a:t>
+            </a:r>
+            <a:endParaRPr kumimoji="1" lang="ja-JP" altLang="en-US" sz="2800" dirty="0"/>
+          </a:p>
+        </p:txBody>
+      </p:sp>
+      <p:pic>
+        <p:nvPicPr>
+          <p:cNvPr id="45" name="Picture 2" descr="DNAのイラスト">
+            <a:extLst>
+              <a:ext uri="{FF2B5EF4-FFF2-40B4-BE49-F238E27FC236}">
+                <a16:creationId xmlns:a16="http://schemas.microsoft.com/office/drawing/2014/main" id="{B2421916-6B3E-B8F0-32EA-659AC1F6A2E4}"/>
+              </a:ext>
+            </a:extLst>
+          </p:cNvPr>
+          <p:cNvPicPr>
+            <a:picLocks noChangeAspect="1" noChangeArrowheads="1"/>
+          </p:cNvPicPr>
+          <p:nvPr/>
+        </p:nvPicPr>
+        <p:blipFill>
+          <a:blip r:embed="rId3">
+            <a:extLst>
+              <a:ext uri="{28A0092B-C50C-407E-A947-70E740481C1C}">
+                <a14:useLocalDpi xmlns:a14="http://schemas.microsoft.com/office/drawing/2010/main" val="0"/>
+              </a:ext>
+            </a:extLst>
+          </a:blip>
+          <a:srcRect/>
+          <a:stretch>
+            <a:fillRect/>
+          </a:stretch>
+        </p:blipFill>
+        <p:spPr bwMode="auto">
+          <a:xfrm>
+            <a:off x="1849892" y="6428721"/>
+            <a:ext cx="423581" cy="423581"/>
+          </a:xfrm>
+          <a:prstGeom prst="rect">
+            <a:avLst/>
+          </a:prstGeom>
+          <a:noFill/>
+          <a:extLst>
+            <a:ext uri="{909E8E84-426E-40DD-AFC4-6F175D3DCCD1}">
+              <a14:hiddenFill xmlns:a14="http://schemas.microsoft.com/office/drawing/2010/main">
+                <a:solidFill>
+                  <a:srgbClr val="FFFFFF"/>
+                </a:solidFill>
+              </a14:hiddenFill>
+            </a:ext>
+          </a:extLst>
+        </p:spPr>
+      </p:pic>
+      <p:pic>
+        <p:nvPicPr>
+          <p:cNvPr id="46" name="Picture 2" descr="DNAのイラスト">
+            <a:extLst>
+              <a:ext uri="{FF2B5EF4-FFF2-40B4-BE49-F238E27FC236}">
+                <a16:creationId xmlns:a16="http://schemas.microsoft.com/office/drawing/2014/main" id="{C7D3E815-C902-CD39-9983-CFEC968E0230}"/>
+              </a:ext>
+            </a:extLst>
+          </p:cNvPr>
+          <p:cNvPicPr>
+            <a:picLocks noChangeAspect="1" noChangeArrowheads="1"/>
+          </p:cNvPicPr>
+          <p:nvPr/>
+        </p:nvPicPr>
+        <p:blipFill>
+          <a:blip r:embed="rId3">
+            <a:extLst>
+              <a:ext uri="{28A0092B-C50C-407E-A947-70E740481C1C}">
+                <a14:useLocalDpi xmlns:a14="http://schemas.microsoft.com/office/drawing/2010/main" val="0"/>
+              </a:ext>
+            </a:extLst>
+          </a:blip>
+          <a:srcRect/>
+          <a:stretch>
+            <a:fillRect/>
+          </a:stretch>
+        </p:blipFill>
+        <p:spPr bwMode="auto">
+          <a:xfrm>
+            <a:off x="3020745" y="6428721"/>
+            <a:ext cx="423581" cy="423581"/>
+          </a:xfrm>
+          <a:prstGeom prst="rect">
+            <a:avLst/>
+          </a:prstGeom>
+          <a:noFill/>
+          <a:extLst>
+            <a:ext uri="{909E8E84-426E-40DD-AFC4-6F175D3DCCD1}">
+              <a14:hiddenFill xmlns:a14="http://schemas.microsoft.com/office/drawing/2010/main">
+                <a:solidFill>
+                  <a:srgbClr val="FFFFFF"/>
+                </a:solidFill>
+              </a14:hiddenFill>
+            </a:ext>
+          </a:extLst>
+        </p:spPr>
+      </p:pic>
+      <p:pic>
+        <p:nvPicPr>
+          <p:cNvPr id="47" name="Picture 2" descr="DNAのイラスト">
+            <a:extLst>
+              <a:ext uri="{FF2B5EF4-FFF2-40B4-BE49-F238E27FC236}">
+                <a16:creationId xmlns:a16="http://schemas.microsoft.com/office/drawing/2014/main" id="{DBC5ED1B-4772-CE33-A269-792A43C95022}"/>
+              </a:ext>
+            </a:extLst>
+          </p:cNvPr>
+          <p:cNvPicPr>
+            <a:picLocks noChangeAspect="1" noChangeArrowheads="1"/>
+          </p:cNvPicPr>
+          <p:nvPr/>
+        </p:nvPicPr>
+        <p:blipFill>
+          <a:blip r:embed="rId3">
+            <a:extLst>
+              <a:ext uri="{28A0092B-C50C-407E-A947-70E740481C1C}">
+                <a14:useLocalDpi xmlns:a14="http://schemas.microsoft.com/office/drawing/2010/main" val="0"/>
+              </a:ext>
+            </a:extLst>
+          </a:blip>
+          <a:srcRect/>
+          <a:stretch>
+            <a:fillRect/>
+          </a:stretch>
+        </p:blipFill>
+        <p:spPr bwMode="auto">
+          <a:xfrm>
+            <a:off x="3583443" y="6428720"/>
+            <a:ext cx="423581" cy="423581"/>
+          </a:xfrm>
+          <a:prstGeom prst="rect">
+            <a:avLst/>
+          </a:prstGeom>
+          <a:noFill/>
+          <a:extLst>
+            <a:ext uri="{909E8E84-426E-40DD-AFC4-6F175D3DCCD1}">
+              <a14:hiddenFill xmlns:a14="http://schemas.microsoft.com/office/drawing/2010/main">
+                <a:solidFill>
+                  <a:srgbClr val="FFFFFF"/>
+                </a:solidFill>
+              </a14:hiddenFill>
+            </a:ext>
+          </a:extLst>
+        </p:spPr>
+      </p:pic>
+      <p:pic>
+        <p:nvPicPr>
+          <p:cNvPr id="48" name="Picture 2">
+            <a:extLst>
+              <a:ext uri="{FF2B5EF4-FFF2-40B4-BE49-F238E27FC236}">
+                <a16:creationId xmlns:a16="http://schemas.microsoft.com/office/drawing/2014/main" id="{B511CCEA-2712-AB14-C3D3-69C476562C9D}"/>
+              </a:ext>
+            </a:extLst>
+          </p:cNvPr>
+          <p:cNvPicPr>
+            <a:picLocks noChangeAspect="1" noChangeArrowheads="1"/>
+          </p:cNvPicPr>
+          <p:nvPr/>
+        </p:nvPicPr>
+        <p:blipFill rotWithShape="1">
+          <a:blip r:embed="rId2">
+            <a:extLst>
+              <a:ext uri="{28A0092B-C50C-407E-A947-70E740481C1C}">
+                <a14:useLocalDpi xmlns:a14="http://schemas.microsoft.com/office/drawing/2010/main" val="0"/>
+              </a:ext>
+            </a:extLst>
+          </a:blip>
+          <a:srcRect l="20046" t="5509" r="70497" b="82864"/>
+          <a:stretch/>
+        </p:blipFill>
+        <p:spPr bwMode="auto">
+          <a:xfrm>
+            <a:off x="633376" y="7731795"/>
+            <a:ext cx="641560" cy="752354"/>
+          </a:xfrm>
+          <a:prstGeom prst="rect">
+            <a:avLst/>
+          </a:prstGeom>
+          <a:noFill/>
+          <a:extLst>
+            <a:ext uri="{909E8E84-426E-40DD-AFC4-6F175D3DCCD1}">
+              <a14:hiddenFill xmlns:a14="http://schemas.microsoft.com/office/drawing/2010/main">
+                <a:solidFill>
+                  <a:srgbClr val="FFFFFF"/>
+                </a:solidFill>
+              </a14:hiddenFill>
+            </a:ext>
+          </a:extLst>
+        </p:spPr>
+      </p:pic>
+      <p:pic>
+        <p:nvPicPr>
+          <p:cNvPr id="49" name="Picture 2">
+            <a:extLst>
+              <a:ext uri="{FF2B5EF4-FFF2-40B4-BE49-F238E27FC236}">
+                <a16:creationId xmlns:a16="http://schemas.microsoft.com/office/drawing/2014/main" id="{65E81FBC-511A-355D-BA36-DE6F68EC6FAE}"/>
+              </a:ext>
+            </a:extLst>
+          </p:cNvPr>
+          <p:cNvPicPr>
+            <a:picLocks noChangeAspect="1" noChangeArrowheads="1"/>
+          </p:cNvPicPr>
+          <p:nvPr/>
+        </p:nvPicPr>
+        <p:blipFill rotWithShape="1">
+          <a:blip r:embed="rId2">
+            <a:extLst>
+              <a:ext uri="{28A0092B-C50C-407E-A947-70E740481C1C}">
+                <a14:useLocalDpi xmlns:a14="http://schemas.microsoft.com/office/drawing/2010/main" val="0"/>
+              </a:ext>
+            </a:extLst>
+          </a:blip>
+          <a:srcRect l="20046" t="5509" r="70497" b="82864"/>
+          <a:stretch/>
+        </p:blipFill>
+        <p:spPr bwMode="auto">
+          <a:xfrm>
+            <a:off x="1234570" y="7728370"/>
+            <a:ext cx="641560" cy="752354"/>
+          </a:xfrm>
+          <a:prstGeom prst="rect">
+            <a:avLst/>
+          </a:prstGeom>
+          <a:noFill/>
+          <a:extLst>
+            <a:ext uri="{909E8E84-426E-40DD-AFC4-6F175D3DCCD1}">
+              <a14:hiddenFill xmlns:a14="http://schemas.microsoft.com/office/drawing/2010/main">
+                <a:solidFill>
+                  <a:srgbClr val="FFFFFF"/>
+                </a:solidFill>
+              </a14:hiddenFill>
+            </a:ext>
+          </a:extLst>
+        </p:spPr>
+      </p:pic>
+      <p:pic>
+        <p:nvPicPr>
+          <p:cNvPr id="50" name="Picture 2">
+            <a:extLst>
+              <a:ext uri="{FF2B5EF4-FFF2-40B4-BE49-F238E27FC236}">
+                <a16:creationId xmlns:a16="http://schemas.microsoft.com/office/drawing/2014/main" id="{EB472DF7-FDA4-EE13-25A9-1BA48538A7D7}"/>
+              </a:ext>
+            </a:extLst>
+          </p:cNvPr>
+          <p:cNvPicPr>
+            <a:picLocks noChangeAspect="1" noChangeArrowheads="1"/>
+          </p:cNvPicPr>
+          <p:nvPr/>
+        </p:nvPicPr>
+        <p:blipFill rotWithShape="1">
+          <a:blip r:embed="rId2">
+            <a:extLst>
+              <a:ext uri="{28A0092B-C50C-407E-A947-70E740481C1C}">
+                <a14:useLocalDpi xmlns:a14="http://schemas.microsoft.com/office/drawing/2010/main" val="0"/>
+              </a:ext>
+            </a:extLst>
+          </a:blip>
+          <a:srcRect l="1862" t="5509" r="87443" b="82864"/>
+          <a:stretch/>
+        </p:blipFill>
+        <p:spPr bwMode="auto">
+          <a:xfrm>
+            <a:off x="1751784" y="7728370"/>
+            <a:ext cx="725540" cy="752354"/>
+          </a:xfrm>
+          <a:prstGeom prst="rect">
+            <a:avLst/>
+          </a:prstGeom>
+          <a:noFill/>
+          <a:extLst>
+            <a:ext uri="{909E8E84-426E-40DD-AFC4-6F175D3DCCD1}">
+              <a14:hiddenFill xmlns:a14="http://schemas.microsoft.com/office/drawing/2010/main">
+                <a:solidFill>
+                  <a:srgbClr val="FFFFFF"/>
+                </a:solidFill>
+              </a14:hiddenFill>
+            </a:ext>
+          </a:extLst>
+        </p:spPr>
+      </p:pic>
+      <p:pic>
+        <p:nvPicPr>
+          <p:cNvPr id="51" name="Picture 2">
+            <a:extLst>
+              <a:ext uri="{FF2B5EF4-FFF2-40B4-BE49-F238E27FC236}">
+                <a16:creationId xmlns:a16="http://schemas.microsoft.com/office/drawing/2014/main" id="{BBE5094E-48C3-7BF3-4980-9472C293AE9E}"/>
+              </a:ext>
+            </a:extLst>
+          </p:cNvPr>
+          <p:cNvPicPr>
+            <a:picLocks noChangeAspect="1" noChangeArrowheads="1"/>
+          </p:cNvPicPr>
+          <p:nvPr/>
+        </p:nvPicPr>
+        <p:blipFill rotWithShape="1">
+          <a:blip r:embed="rId2">
+            <a:extLst>
+              <a:ext uri="{28A0092B-C50C-407E-A947-70E740481C1C}">
+                <a14:useLocalDpi xmlns:a14="http://schemas.microsoft.com/office/drawing/2010/main" val="0"/>
+              </a:ext>
+            </a:extLst>
+          </a:blip>
+          <a:srcRect l="20046" t="5509" r="70497" b="82864"/>
+          <a:stretch/>
+        </p:blipFill>
+        <p:spPr bwMode="auto">
+          <a:xfrm>
+            <a:off x="2352978" y="7736974"/>
+            <a:ext cx="641560" cy="752354"/>
+          </a:xfrm>
+          <a:prstGeom prst="rect">
+            <a:avLst/>
+          </a:prstGeom>
+          <a:noFill/>
+          <a:extLst>
+            <a:ext uri="{909E8E84-426E-40DD-AFC4-6F175D3DCCD1}">
+              <a14:hiddenFill xmlns:a14="http://schemas.microsoft.com/office/drawing/2010/main">
+                <a:solidFill>
+                  <a:srgbClr val="FFFFFF"/>
+                </a:solidFill>
+              </a14:hiddenFill>
+            </a:ext>
+          </a:extLst>
+        </p:spPr>
+      </p:pic>
+      <p:pic>
+        <p:nvPicPr>
+          <p:cNvPr id="52" name="Picture 2">
+            <a:extLst>
+              <a:ext uri="{FF2B5EF4-FFF2-40B4-BE49-F238E27FC236}">
+                <a16:creationId xmlns:a16="http://schemas.microsoft.com/office/drawing/2014/main" id="{1C0AF61C-9C30-1043-5449-D80A7281C2EC}"/>
+              </a:ext>
+            </a:extLst>
+          </p:cNvPr>
+          <p:cNvPicPr>
+            <a:picLocks noChangeAspect="1" noChangeArrowheads="1"/>
+          </p:cNvPicPr>
+          <p:nvPr/>
+        </p:nvPicPr>
+        <p:blipFill rotWithShape="1">
+          <a:blip r:embed="rId2">
+            <a:extLst>
+              <a:ext uri="{28A0092B-C50C-407E-A947-70E740481C1C}">
+                <a14:useLocalDpi xmlns:a14="http://schemas.microsoft.com/office/drawing/2010/main" val="0"/>
+              </a:ext>
+            </a:extLst>
+          </a:blip>
+          <a:srcRect l="1862" t="5509" r="87443" b="82864"/>
+          <a:stretch/>
+        </p:blipFill>
+        <p:spPr bwMode="auto">
+          <a:xfrm>
+            <a:off x="3471386" y="7733549"/>
+            <a:ext cx="725540" cy="752354"/>
+          </a:xfrm>
+          <a:prstGeom prst="rect">
+            <a:avLst/>
+          </a:prstGeom>
+          <a:noFill/>
+          <a:extLst>
+            <a:ext uri="{909E8E84-426E-40DD-AFC4-6F175D3DCCD1}">
+              <a14:hiddenFill xmlns:a14="http://schemas.microsoft.com/office/drawing/2010/main">
+                <a:solidFill>
+                  <a:srgbClr val="FFFFFF"/>
+                </a:solidFill>
+              </a14:hiddenFill>
+            </a:ext>
+          </a:extLst>
+        </p:spPr>
+      </p:pic>
+      <p:pic>
+        <p:nvPicPr>
+          <p:cNvPr id="53" name="Picture 2">
+            <a:extLst>
+              <a:ext uri="{FF2B5EF4-FFF2-40B4-BE49-F238E27FC236}">
+                <a16:creationId xmlns:a16="http://schemas.microsoft.com/office/drawing/2014/main" id="{274FAD02-C9B7-0A24-1DEE-92A8A6B221FF}"/>
+              </a:ext>
+            </a:extLst>
+          </p:cNvPr>
+          <p:cNvPicPr>
+            <a:picLocks noChangeAspect="1" noChangeArrowheads="1"/>
+          </p:cNvPicPr>
+          <p:nvPr/>
+        </p:nvPicPr>
+        <p:blipFill rotWithShape="1">
+          <a:blip r:embed="rId2">
+            <a:extLst>
+              <a:ext uri="{28A0092B-C50C-407E-A947-70E740481C1C}">
+                <a14:useLocalDpi xmlns:a14="http://schemas.microsoft.com/office/drawing/2010/main" val="0"/>
+              </a:ext>
+            </a:extLst>
+          </a:blip>
+          <a:srcRect l="20046" t="5509" r="70497" b="82864"/>
+          <a:stretch/>
+        </p:blipFill>
+        <p:spPr bwMode="auto">
+          <a:xfrm>
+            <a:off x="4039735" y="7736974"/>
+            <a:ext cx="641560" cy="752354"/>
+          </a:xfrm>
+          <a:prstGeom prst="rect">
+            <a:avLst/>
+          </a:prstGeom>
+          <a:noFill/>
+          <a:extLst>
+            <a:ext uri="{909E8E84-426E-40DD-AFC4-6F175D3DCCD1}">
+              <a14:hiddenFill xmlns:a14="http://schemas.microsoft.com/office/drawing/2010/main">
+                <a:solidFill>
+                  <a:srgbClr val="FFFFFF"/>
+                </a:solidFill>
+              </a14:hiddenFill>
+            </a:ext>
+          </a:extLst>
+        </p:spPr>
+      </p:pic>
+      <p:pic>
+        <p:nvPicPr>
+          <p:cNvPr id="54" name="Picture 2">
+            <a:extLst>
+              <a:ext uri="{FF2B5EF4-FFF2-40B4-BE49-F238E27FC236}">
+                <a16:creationId xmlns:a16="http://schemas.microsoft.com/office/drawing/2014/main" id="{2C8342CA-6AFA-9C72-46E5-5440E696B3CE}"/>
+              </a:ext>
+            </a:extLst>
+          </p:cNvPr>
+          <p:cNvPicPr>
+            <a:picLocks noChangeAspect="1" noChangeArrowheads="1"/>
+          </p:cNvPicPr>
+          <p:nvPr/>
+        </p:nvPicPr>
+        <p:blipFill rotWithShape="1">
+          <a:blip r:embed="rId2">
+            <a:extLst>
+              <a:ext uri="{28A0092B-C50C-407E-A947-70E740481C1C}">
+                <a14:useLocalDpi xmlns:a14="http://schemas.microsoft.com/office/drawing/2010/main" val="0"/>
+              </a:ext>
+            </a:extLst>
+          </a:blip>
+          <a:srcRect l="20046" t="5509" r="70497" b="82864"/>
+          <a:stretch/>
+        </p:blipFill>
+        <p:spPr bwMode="auto">
+          <a:xfrm>
+            <a:off x="4640929" y="7733549"/>
+            <a:ext cx="641560" cy="752354"/>
+          </a:xfrm>
+          <a:prstGeom prst="rect">
+            <a:avLst/>
+          </a:prstGeom>
+          <a:noFill/>
+          <a:extLst>
+            <a:ext uri="{909E8E84-426E-40DD-AFC4-6F175D3DCCD1}">
+              <a14:hiddenFill xmlns:a14="http://schemas.microsoft.com/office/drawing/2010/main">
+                <a:solidFill>
+                  <a:srgbClr val="FFFFFF"/>
+                </a:solidFill>
+              </a14:hiddenFill>
+            </a:ext>
+          </a:extLst>
+        </p:spPr>
+      </p:pic>
+      <p:pic>
+        <p:nvPicPr>
+          <p:cNvPr id="55" name="Picture 2">
+            <a:extLst>
+              <a:ext uri="{FF2B5EF4-FFF2-40B4-BE49-F238E27FC236}">
+                <a16:creationId xmlns:a16="http://schemas.microsoft.com/office/drawing/2014/main" id="{D0F9D09E-B9B0-4AFE-0805-02CBCB195DB2}"/>
+              </a:ext>
+            </a:extLst>
+          </p:cNvPr>
+          <p:cNvPicPr>
+            <a:picLocks noChangeAspect="1" noChangeArrowheads="1"/>
+          </p:cNvPicPr>
+          <p:nvPr/>
+        </p:nvPicPr>
+        <p:blipFill rotWithShape="1">
+          <a:blip r:embed="rId2">
+            <a:extLst>
+              <a:ext uri="{28A0092B-C50C-407E-A947-70E740481C1C}">
+                <a14:useLocalDpi xmlns:a14="http://schemas.microsoft.com/office/drawing/2010/main" val="0"/>
+              </a:ext>
+            </a:extLst>
+          </a:blip>
+          <a:srcRect l="1862" t="5509" r="87443" b="82864"/>
+          <a:stretch/>
+        </p:blipFill>
+        <p:spPr bwMode="auto">
+          <a:xfrm>
+            <a:off x="2892629" y="7735262"/>
+            <a:ext cx="725540" cy="752354"/>
+          </a:xfrm>
+          <a:prstGeom prst="rect">
+            <a:avLst/>
+          </a:prstGeom>
+          <a:noFill/>
+          <a:extLst>
+            <a:ext uri="{909E8E84-426E-40DD-AFC4-6F175D3DCCD1}">
+              <a14:hiddenFill xmlns:a14="http://schemas.microsoft.com/office/drawing/2010/main">
+                <a:solidFill>
+                  <a:srgbClr val="FFFFFF"/>
+                </a:solidFill>
+              </a14:hiddenFill>
+            </a:ext>
+          </a:extLst>
+        </p:spPr>
+      </p:pic>
+      <p:sp>
+        <p:nvSpPr>
+          <p:cNvPr id="56" name="テキスト ボックス 55">
+            <a:extLst>
+              <a:ext uri="{FF2B5EF4-FFF2-40B4-BE49-F238E27FC236}">
+                <a16:creationId xmlns:a16="http://schemas.microsoft.com/office/drawing/2014/main" id="{D826ED5E-6459-C891-F041-B4EDEC93CF0D}"/>
+              </a:ext>
+            </a:extLst>
+          </p:cNvPr>
+          <p:cNvSpPr txBox="1"/>
+          <p:nvPr/>
+        </p:nvSpPr>
+        <p:spPr>
+          <a:xfrm>
+            <a:off x="5226308" y="7815164"/>
+            <a:ext cx="433132" cy="523220"/>
+          </a:xfrm>
+          <a:prstGeom prst="rect">
+            <a:avLst/>
+          </a:prstGeom>
+          <a:noFill/>
+        </p:spPr>
+        <p:txBody>
+          <a:bodyPr wrap="none" rtlCol="0">
+            <a:spAutoFit/>
+          </a:bodyPr>
+          <a:lstStyle/>
+          <a:p>
+            <a:r>
+              <a:rPr kumimoji="1" lang="en-US" altLang="ja-JP" sz="2800" dirty="0"/>
+              <a:t>…</a:t>
+            </a:r>
+            <a:endParaRPr kumimoji="1" lang="ja-JP" altLang="en-US" sz="2800" dirty="0"/>
+          </a:p>
+        </p:txBody>
+      </p:sp>
+      <p:pic>
+        <p:nvPicPr>
+          <p:cNvPr id="57" name="Picture 2" descr="DNAのイラスト">
+            <a:extLst>
+              <a:ext uri="{FF2B5EF4-FFF2-40B4-BE49-F238E27FC236}">
+                <a16:creationId xmlns:a16="http://schemas.microsoft.com/office/drawing/2014/main" id="{DCF68337-CE0D-F99B-1B48-B5E5B88A4BB5}"/>
+              </a:ext>
+            </a:extLst>
+          </p:cNvPr>
+          <p:cNvPicPr>
+            <a:picLocks noChangeAspect="1" noChangeArrowheads="1"/>
+          </p:cNvPicPr>
+          <p:nvPr/>
+        </p:nvPicPr>
+        <p:blipFill>
+          <a:blip r:embed="rId3">
+            <a:extLst>
+              <a:ext uri="{28A0092B-C50C-407E-A947-70E740481C1C}">
+                <a14:useLocalDpi xmlns:a14="http://schemas.microsoft.com/office/drawing/2010/main" val="0"/>
+              </a:ext>
+            </a:extLst>
+          </a:blip>
+          <a:srcRect/>
+          <a:stretch>
+            <a:fillRect/>
+          </a:stretch>
+        </p:blipFill>
+        <p:spPr bwMode="auto">
+          <a:xfrm>
+            <a:off x="1871362" y="8444876"/>
+            <a:ext cx="423581" cy="423581"/>
+          </a:xfrm>
+          <a:prstGeom prst="rect">
+            <a:avLst/>
+          </a:prstGeom>
+          <a:noFill/>
+          <a:extLst>
+            <a:ext uri="{909E8E84-426E-40DD-AFC4-6F175D3DCCD1}">
+              <a14:hiddenFill xmlns:a14="http://schemas.microsoft.com/office/drawing/2010/main">
+                <a:solidFill>
+                  <a:srgbClr val="FFFFFF"/>
+                </a:solidFill>
+              </a14:hiddenFill>
+            </a:ext>
+          </a:extLst>
+        </p:spPr>
+      </p:pic>
+      <p:pic>
+        <p:nvPicPr>
+          <p:cNvPr id="58" name="Picture 2" descr="DNAのイラスト">
+            <a:extLst>
+              <a:ext uri="{FF2B5EF4-FFF2-40B4-BE49-F238E27FC236}">
+                <a16:creationId xmlns:a16="http://schemas.microsoft.com/office/drawing/2014/main" id="{FD1059FA-C797-19A7-5A29-9315AF554B29}"/>
+              </a:ext>
+            </a:extLst>
+          </p:cNvPr>
+          <p:cNvPicPr>
+            <a:picLocks noChangeAspect="1" noChangeArrowheads="1"/>
+          </p:cNvPicPr>
+          <p:nvPr/>
+        </p:nvPicPr>
+        <p:blipFill>
+          <a:blip r:embed="rId3">
+            <a:extLst>
+              <a:ext uri="{28A0092B-C50C-407E-A947-70E740481C1C}">
+                <a14:useLocalDpi xmlns:a14="http://schemas.microsoft.com/office/drawing/2010/main" val="0"/>
+              </a:ext>
+            </a:extLst>
+          </a:blip>
+          <a:srcRect/>
+          <a:stretch>
+            <a:fillRect/>
+          </a:stretch>
+        </p:blipFill>
+        <p:spPr bwMode="auto">
+          <a:xfrm>
+            <a:off x="3042215" y="8444876"/>
+            <a:ext cx="423581" cy="423581"/>
+          </a:xfrm>
+          <a:prstGeom prst="rect">
+            <a:avLst/>
+          </a:prstGeom>
+          <a:noFill/>
+          <a:extLst>
+            <a:ext uri="{909E8E84-426E-40DD-AFC4-6F175D3DCCD1}">
+              <a14:hiddenFill xmlns:a14="http://schemas.microsoft.com/office/drawing/2010/main">
+                <a:solidFill>
+                  <a:srgbClr val="FFFFFF"/>
+                </a:solidFill>
+              </a14:hiddenFill>
+            </a:ext>
+          </a:extLst>
+        </p:spPr>
+      </p:pic>
+      <p:pic>
+        <p:nvPicPr>
+          <p:cNvPr id="59" name="Picture 2" descr="DNAのイラスト">
+            <a:extLst>
+              <a:ext uri="{FF2B5EF4-FFF2-40B4-BE49-F238E27FC236}">
+                <a16:creationId xmlns:a16="http://schemas.microsoft.com/office/drawing/2014/main" id="{715E6315-B4DE-6C47-26E3-21D312C72E45}"/>
+              </a:ext>
+            </a:extLst>
+          </p:cNvPr>
+          <p:cNvPicPr>
+            <a:picLocks noChangeAspect="1" noChangeArrowheads="1"/>
+          </p:cNvPicPr>
+          <p:nvPr/>
+        </p:nvPicPr>
+        <p:blipFill>
+          <a:blip r:embed="rId3">
+            <a:extLst>
+              <a:ext uri="{28A0092B-C50C-407E-A947-70E740481C1C}">
+                <a14:useLocalDpi xmlns:a14="http://schemas.microsoft.com/office/drawing/2010/main" val="0"/>
+              </a:ext>
+            </a:extLst>
+          </a:blip>
+          <a:srcRect/>
+          <a:stretch>
+            <a:fillRect/>
+          </a:stretch>
+        </p:blipFill>
+        <p:spPr bwMode="auto">
+          <a:xfrm>
+            <a:off x="3604913" y="8444875"/>
+            <a:ext cx="423581" cy="423581"/>
+          </a:xfrm>
+          <a:prstGeom prst="rect">
+            <a:avLst/>
+          </a:prstGeom>
+          <a:noFill/>
+          <a:extLst>
+            <a:ext uri="{909E8E84-426E-40DD-AFC4-6F175D3DCCD1}">
+              <a14:hiddenFill xmlns:a14="http://schemas.microsoft.com/office/drawing/2010/main">
+                <a:solidFill>
+                  <a:srgbClr val="FFFFFF"/>
+                </a:solidFill>
+              </a14:hiddenFill>
+            </a:ext>
+          </a:extLst>
+        </p:spPr>
+      </p:pic>
+      <p:cxnSp>
+        <p:nvCxnSpPr>
+          <p:cNvPr id="60" name="直線矢印コネクタ 59">
+            <a:extLst>
+              <a:ext uri="{FF2B5EF4-FFF2-40B4-BE49-F238E27FC236}">
+                <a16:creationId xmlns:a16="http://schemas.microsoft.com/office/drawing/2014/main" id="{26BF4D4B-7244-C391-5DAE-CB2E82B1D35F}"/>
+              </a:ext>
+            </a:extLst>
+          </p:cNvPr>
+          <p:cNvCxnSpPr>
+            <a:cxnSpLocks/>
+          </p:cNvCxnSpPr>
+          <p:nvPr/>
+        </p:nvCxnSpPr>
+        <p:spPr>
+          <a:xfrm>
+            <a:off x="2117253" y="8868456"/>
+            <a:ext cx="392595" cy="440136"/>
+          </a:xfrm>
+          <a:prstGeom prst="straightConnector1">
+            <a:avLst/>
+          </a:prstGeom>
+          <a:ln w="38100">
+            <a:solidFill>
+              <a:schemeClr val="tx1"/>
+            </a:solidFill>
+            <a:tailEnd type="triangle"/>
+          </a:ln>
+        </p:spPr>
+        <p:style>
+          <a:lnRef idx="1">
+            <a:schemeClr val="accent1"/>
+          </a:lnRef>
+          <a:fillRef idx="0">
+            <a:schemeClr val="accent1"/>
+          </a:fillRef>
+          <a:effectRef idx="0">
+            <a:schemeClr val="accent1"/>
+          </a:effectRef>
+          <a:fontRef idx="minor">
+            <a:schemeClr val="tx1"/>
+          </a:fontRef>
+        </p:style>
+      </p:cxnSp>
+      <p:cxnSp>
+        <p:nvCxnSpPr>
+          <p:cNvPr id="62" name="直線矢印コネクタ 61">
+            <a:extLst>
+              <a:ext uri="{FF2B5EF4-FFF2-40B4-BE49-F238E27FC236}">
+                <a16:creationId xmlns:a16="http://schemas.microsoft.com/office/drawing/2014/main" id="{C2F1B483-3335-A526-204C-8889CC6B6C7D}"/>
+              </a:ext>
+            </a:extLst>
+          </p:cNvPr>
+          <p:cNvCxnSpPr>
+            <a:cxnSpLocks/>
+          </p:cNvCxnSpPr>
+          <p:nvPr/>
+        </p:nvCxnSpPr>
+        <p:spPr>
+          <a:xfrm flipH="1">
+            <a:off x="2781717" y="8924544"/>
+            <a:ext cx="443067" cy="384048"/>
+          </a:xfrm>
+          <a:prstGeom prst="straightConnector1">
+            <a:avLst/>
+          </a:prstGeom>
+          <a:ln w="38100">
+            <a:solidFill>
+              <a:schemeClr val="tx1"/>
+            </a:solidFill>
+            <a:tailEnd type="triangle"/>
+          </a:ln>
+        </p:spPr>
+        <p:style>
+          <a:lnRef idx="1">
+            <a:schemeClr val="accent1"/>
+          </a:lnRef>
+          <a:fillRef idx="0">
+            <a:schemeClr val="accent1"/>
+          </a:fillRef>
+          <a:effectRef idx="0">
+            <a:schemeClr val="accent1"/>
+          </a:effectRef>
+          <a:fontRef idx="minor">
+            <a:schemeClr val="tx1"/>
+          </a:fontRef>
+        </p:style>
+      </p:cxnSp>
+      <p:cxnSp>
+        <p:nvCxnSpPr>
+          <p:cNvPr id="65" name="直線矢印コネクタ 64">
+            <a:extLst>
+              <a:ext uri="{FF2B5EF4-FFF2-40B4-BE49-F238E27FC236}">
+                <a16:creationId xmlns:a16="http://schemas.microsoft.com/office/drawing/2014/main" id="{82EA5B08-B593-71F3-1AFC-BDAE3B1D8494}"/>
+              </a:ext>
+            </a:extLst>
+          </p:cNvPr>
+          <p:cNvCxnSpPr>
+            <a:cxnSpLocks/>
+          </p:cNvCxnSpPr>
+          <p:nvPr/>
+        </p:nvCxnSpPr>
+        <p:spPr>
+          <a:xfrm flipH="1">
+            <a:off x="3069694" y="8924544"/>
+            <a:ext cx="725540" cy="384048"/>
+          </a:xfrm>
+          <a:prstGeom prst="straightConnector1">
+            <a:avLst/>
+          </a:prstGeom>
+          <a:ln w="38100">
+            <a:solidFill>
+              <a:schemeClr val="tx1"/>
+            </a:solidFill>
+            <a:tailEnd type="triangle"/>
+          </a:ln>
+        </p:spPr>
+        <p:style>
+          <a:lnRef idx="1">
+            <a:schemeClr val="accent1"/>
+          </a:lnRef>
+          <a:fillRef idx="0">
+            <a:schemeClr val="accent1"/>
+          </a:fillRef>
+          <a:effectRef idx="0">
+            <a:schemeClr val="accent1"/>
+          </a:effectRef>
+          <a:fontRef idx="minor">
+            <a:schemeClr val="tx1"/>
+          </a:fontRef>
+        </p:style>
+      </p:cxnSp>
+      <p:cxnSp>
+        <p:nvCxnSpPr>
+          <p:cNvPr id="68" name="直線矢印コネクタ 67">
+            <a:extLst>
+              <a:ext uri="{FF2B5EF4-FFF2-40B4-BE49-F238E27FC236}">
+                <a16:creationId xmlns:a16="http://schemas.microsoft.com/office/drawing/2014/main" id="{588B27A5-89A4-B84C-03BC-BB6CCBAE2E1D}"/>
+              </a:ext>
+            </a:extLst>
+          </p:cNvPr>
+          <p:cNvCxnSpPr>
+            <a:cxnSpLocks/>
+          </p:cNvCxnSpPr>
+          <p:nvPr/>
+        </p:nvCxnSpPr>
+        <p:spPr>
+          <a:xfrm flipH="1">
+            <a:off x="3273552" y="8924544"/>
+            <a:ext cx="2170176" cy="384048"/>
+          </a:xfrm>
+          <a:prstGeom prst="straightConnector1">
+            <a:avLst/>
+          </a:prstGeom>
+          <a:ln w="38100">
+            <a:solidFill>
+              <a:schemeClr val="tx1"/>
+            </a:solidFill>
+            <a:tailEnd type="triangle"/>
+          </a:ln>
+        </p:spPr>
+        <p:style>
+          <a:lnRef idx="1">
+            <a:schemeClr val="accent1"/>
+          </a:lnRef>
+          <a:fillRef idx="0">
+            <a:schemeClr val="accent1"/>
+          </a:fillRef>
+          <a:effectRef idx="0">
+            <a:schemeClr val="accent1"/>
+          </a:effectRef>
+          <a:fontRef idx="minor">
+            <a:schemeClr val="tx1"/>
+          </a:fontRef>
+        </p:style>
+      </p:cxnSp>
+      <p:sp>
+        <p:nvSpPr>
+          <p:cNvPr id="71" name="テキスト ボックス 70">
+            <a:extLst>
+              <a:ext uri="{FF2B5EF4-FFF2-40B4-BE49-F238E27FC236}">
+                <a16:creationId xmlns:a16="http://schemas.microsoft.com/office/drawing/2014/main" id="{6F2F8B5F-0A7D-8BEF-D80F-FE1B2BB2F1D2}"/>
+              </a:ext>
+            </a:extLst>
+          </p:cNvPr>
+          <p:cNvSpPr txBox="1"/>
+          <p:nvPr/>
+        </p:nvSpPr>
+        <p:spPr>
+          <a:xfrm>
+            <a:off x="2273473" y="9388547"/>
+            <a:ext cx="1287024" cy="307777"/>
+          </a:xfrm>
+          <a:prstGeom prst="rect">
+            <a:avLst/>
+          </a:prstGeom>
+          <a:solidFill>
+            <a:schemeClr val="bg1"/>
+          </a:solidFill>
+          <a:ln w="12700">
+            <a:noFill/>
+          </a:ln>
+        </p:spPr>
+        <p:txBody>
+          <a:bodyPr wrap="square" rtlCol="0">
+            <a:spAutoFit/>
+          </a:bodyPr>
+          <a:lstStyle/>
+          <a:p>
+            <a:r>
+              <a:rPr kumimoji="1" lang="en-US" altLang="ja-JP" sz="1400" dirty="0"/>
+              <a:t>Bulk sequence</a:t>
+            </a:r>
+            <a:endParaRPr kumimoji="1" lang="ja-JP" altLang="en-US" sz="1400" dirty="0"/>
+          </a:p>
+        </p:txBody>
+      </p:sp>
+      <p:sp>
+        <p:nvSpPr>
+          <p:cNvPr id="72" name="テキスト ボックス 71">
+            <a:extLst>
+              <a:ext uri="{FF2B5EF4-FFF2-40B4-BE49-F238E27FC236}">
+                <a16:creationId xmlns:a16="http://schemas.microsoft.com/office/drawing/2014/main" id="{F335A011-060B-1819-F7F1-A84BE2D27CD7}"/>
+              </a:ext>
+            </a:extLst>
+          </p:cNvPr>
+          <p:cNvSpPr txBox="1"/>
+          <p:nvPr/>
+        </p:nvSpPr>
+        <p:spPr>
+          <a:xfrm>
+            <a:off x="5226308" y="8328932"/>
+            <a:ext cx="433132" cy="523220"/>
+          </a:xfrm>
+          <a:prstGeom prst="rect">
+            <a:avLst/>
+          </a:prstGeom>
+          <a:noFill/>
+        </p:spPr>
+        <p:txBody>
+          <a:bodyPr wrap="none" rtlCol="0">
+            <a:spAutoFit/>
+          </a:bodyPr>
+          <a:lstStyle/>
+          <a:p>
+            <a:r>
+              <a:rPr kumimoji="1" lang="en-US" altLang="ja-JP" sz="2800" dirty="0"/>
+              <a:t>…</a:t>
+            </a:r>
+            <a:endParaRPr kumimoji="1" lang="ja-JP" altLang="en-US" sz="2800" dirty="0"/>
+          </a:p>
+        </p:txBody>
+      </p:sp>
+    </p:spTree>
+    <p:extLst>
+      <p:ext uri="{BB962C8B-B14F-4D97-AF65-F5344CB8AC3E}">
+        <p14:creationId xmlns:p14="http://schemas.microsoft.com/office/powerpoint/2010/main" val="3854874246"/>
+      </p:ext>
+    </p:extLst>
+  </p:cSld>
+  <p:clrMapOvr>
+    <a:masterClrMapping/>
+  </p:clrMapOvr>
+</p:sld>
+</file>
+
+<file path=ppt/slides/slide5.xml><?xml version="1.0" encoding="utf-8"?>
+<p:sld xmlns:a="http://schemas.openxmlformats.org/drawingml/2006/main" xmlns:r="http://schemas.openxmlformats.org/officeDocument/2006/relationships" xmlns:p="http://schemas.openxmlformats.org/presentationml/2006/main">
+  <p:cSld>
+    <p:spTree>
+      <p:nvGrpSpPr>
+        <p:cNvPr id="1" name=""/>
+        <p:cNvGrpSpPr/>
+        <p:nvPr/>
+      </p:nvGrpSpPr>
+      <p:grpSpPr>
+        <a:xfrm>
+          <a:off x="0" y="0"/>
+          <a:ext cx="0" cy="0"/>
+          <a:chOff x="0" y="0"/>
+          <a:chExt cx="0" cy="0"/>
+        </a:xfrm>
+      </p:grpSpPr>
+    </p:spTree>
+    <p:extLst>
+      <p:ext uri="{BB962C8B-B14F-4D97-AF65-F5344CB8AC3E}">
+        <p14:creationId xmlns:p14="http://schemas.microsoft.com/office/powerpoint/2010/main" val="2200704472"/>
+      </p:ext>
+    </p:extLst>
+  </p:cSld>
+  <p:clrMapOvr>
+    <a:masterClrMapping/>
+  </p:clrMapOvr>
+</p:sld>
+</file>
+
+<file path=ppt/slides/slide6.xml><?xml version="1.0" encoding="utf-8"?>
+<p:sld xmlns:a="http://schemas.openxmlformats.org/drawingml/2006/main" xmlns:r="http://schemas.openxmlformats.org/officeDocument/2006/relationships" xmlns:p="http://schemas.openxmlformats.org/presentationml/2006/main">
+  <p:cSld>
+    <p:spTree>
+      <p:nvGrpSpPr>
+        <p:cNvPr id="1" name=""/>
+        <p:cNvGrpSpPr/>
+        <p:nvPr/>
+      </p:nvGrpSpPr>
+      <p:grpSpPr>
+        <a:xfrm>
+          <a:off x="0" y="0"/>
+          <a:ext cx="0" cy="0"/>
+          <a:chOff x="0" y="0"/>
+          <a:chExt cx="0" cy="0"/>
+        </a:xfrm>
+      </p:grpSpPr>
+      <p:pic>
+        <p:nvPicPr>
           <p:cNvPr id="2052" name="Picture 4" descr="mutmap_dataset">
             <a:extLst>
               <a:ext uri="{FF2B5EF4-FFF2-40B4-BE49-F238E27FC236}">
